--- a/15. Arquitetura de Negócio para cada Cenário.pptx
+++ b/15. Arquitetura de Negócio para cada Cenário.pptx
@@ -5,13 +5,14 @@
     <p:sldMasterId id="2147483648" r:id="rId4"/>
   </p:sldMasterIdLst>
   <p:notesMasterIdLst>
-    <p:notesMasterId r:id="rId9"/>
+    <p:notesMasterId r:id="rId10"/>
   </p:notesMasterIdLst>
   <p:sldIdLst>
     <p:sldId id="256" r:id="rId5"/>
     <p:sldId id="259" r:id="rId6"/>
-    <p:sldId id="260" r:id="rId7"/>
-    <p:sldId id="262" r:id="rId8"/>
+    <p:sldId id="263" r:id="rId7"/>
+    <p:sldId id="260" r:id="rId8"/>
+    <p:sldId id="262" r:id="rId9"/>
   </p:sldIdLst>
   <p:sldSz cx="12192000" cy="6858000"/>
   <p:notesSz cx="6858000" cy="9144000"/>
@@ -212,7 +213,7 @@
           <a:p>
             <a:fld id="{F4318199-87C9-43C5-859C-64A36D6C6B03}" type="datetimeFigureOut">
               <a:rPr lang="pt-BR" smtClean="0"/>
-              <a:t>30/03/2021</a:t>
+              <a:t>07/04/2021</a:t>
             </a:fld>
             <a:endParaRPr lang="pt-BR"/>
           </a:p>
@@ -626,7 +627,7 @@
           <a:p>
             <a:fld id="{01CBEC38-F852-4482-B8EA-F53CE02A78CA}" type="datetimeFigureOut">
               <a:rPr lang="pt-BR" smtClean="0"/>
-              <a:t>30/03/2021</a:t>
+              <a:t>07/04/2021</a:t>
             </a:fld>
             <a:endParaRPr lang="pt-BR"/>
           </a:p>
@@ -824,7 +825,7 @@
           <a:p>
             <a:fld id="{01CBEC38-F852-4482-B8EA-F53CE02A78CA}" type="datetimeFigureOut">
               <a:rPr lang="pt-BR" smtClean="0"/>
-              <a:t>30/03/2021</a:t>
+              <a:t>07/04/2021</a:t>
             </a:fld>
             <a:endParaRPr lang="pt-BR"/>
           </a:p>
@@ -1032,7 +1033,7 @@
           <a:p>
             <a:fld id="{01CBEC38-F852-4482-B8EA-F53CE02A78CA}" type="datetimeFigureOut">
               <a:rPr lang="pt-BR" smtClean="0"/>
-              <a:t>30/03/2021</a:t>
+              <a:t>07/04/2021</a:t>
             </a:fld>
             <a:endParaRPr lang="pt-BR"/>
           </a:p>
@@ -1230,7 +1231,7 @@
           <a:p>
             <a:fld id="{01CBEC38-F852-4482-B8EA-F53CE02A78CA}" type="datetimeFigureOut">
               <a:rPr lang="pt-BR" smtClean="0"/>
-              <a:t>30/03/2021</a:t>
+              <a:t>07/04/2021</a:t>
             </a:fld>
             <a:endParaRPr lang="pt-BR"/>
           </a:p>
@@ -1505,7 +1506,7 @@
           <a:p>
             <a:fld id="{01CBEC38-F852-4482-B8EA-F53CE02A78CA}" type="datetimeFigureOut">
               <a:rPr lang="pt-BR" smtClean="0"/>
-              <a:t>30/03/2021</a:t>
+              <a:t>07/04/2021</a:t>
             </a:fld>
             <a:endParaRPr lang="pt-BR"/>
           </a:p>
@@ -1770,7 +1771,7 @@
           <a:p>
             <a:fld id="{01CBEC38-F852-4482-B8EA-F53CE02A78CA}" type="datetimeFigureOut">
               <a:rPr lang="pt-BR" smtClean="0"/>
-              <a:t>30/03/2021</a:t>
+              <a:t>07/04/2021</a:t>
             </a:fld>
             <a:endParaRPr lang="pt-BR"/>
           </a:p>
@@ -2182,7 +2183,7 @@
           <a:p>
             <a:fld id="{01CBEC38-F852-4482-B8EA-F53CE02A78CA}" type="datetimeFigureOut">
               <a:rPr lang="pt-BR" smtClean="0"/>
-              <a:t>30/03/2021</a:t>
+              <a:t>07/04/2021</a:t>
             </a:fld>
             <a:endParaRPr lang="pt-BR"/>
           </a:p>
@@ -2323,7 +2324,7 @@
           <a:p>
             <a:fld id="{01CBEC38-F852-4482-B8EA-F53CE02A78CA}" type="datetimeFigureOut">
               <a:rPr lang="pt-BR" smtClean="0"/>
-              <a:t>30/03/2021</a:t>
+              <a:t>07/04/2021</a:t>
             </a:fld>
             <a:endParaRPr lang="pt-BR"/>
           </a:p>
@@ -2436,7 +2437,7 @@
           <a:p>
             <a:fld id="{01CBEC38-F852-4482-B8EA-F53CE02A78CA}" type="datetimeFigureOut">
               <a:rPr lang="pt-BR" smtClean="0"/>
-              <a:t>30/03/2021</a:t>
+              <a:t>07/04/2021</a:t>
             </a:fld>
             <a:endParaRPr lang="pt-BR"/>
           </a:p>
@@ -2747,7 +2748,7 @@
           <a:p>
             <a:fld id="{01CBEC38-F852-4482-B8EA-F53CE02A78CA}" type="datetimeFigureOut">
               <a:rPr lang="pt-BR" smtClean="0"/>
-              <a:t>30/03/2021</a:t>
+              <a:t>07/04/2021</a:t>
             </a:fld>
             <a:endParaRPr lang="pt-BR"/>
           </a:p>
@@ -3035,7 +3036,7 @@
           <a:p>
             <a:fld id="{01CBEC38-F852-4482-B8EA-F53CE02A78CA}" type="datetimeFigureOut">
               <a:rPr lang="pt-BR" smtClean="0"/>
-              <a:t>30/03/2021</a:t>
+              <a:t>07/04/2021</a:t>
             </a:fld>
             <a:endParaRPr lang="pt-BR"/>
           </a:p>
@@ -3276,7 +3277,7 @@
           <a:p>
             <a:fld id="{01CBEC38-F852-4482-B8EA-F53CE02A78CA}" type="datetimeFigureOut">
               <a:rPr lang="pt-BR" smtClean="0"/>
-              <a:t>30/03/2021</a:t>
+              <a:t>07/04/2021</a:t>
             </a:fld>
             <a:endParaRPr lang="pt-BR"/>
           </a:p>
@@ -3943,8 +3944,8 @@
         </p:nvSpPr>
         <p:spPr>
           <a:xfrm>
-            <a:off x="3597965" y="2626352"/>
-            <a:ext cx="3207025" cy="646331"/>
+            <a:off x="3597965" y="2505670"/>
+            <a:ext cx="3207025" cy="1200329"/>
           </a:xfrm>
           <a:prstGeom prst="rect">
             <a:avLst/>
@@ -3965,8 +3966,17 @@
           <a:p>
             <a:r>
               <a:rPr lang="pt-BR" dirty="0"/>
-              <a:t>2.Receber Pedido.</a:t>
-            </a:r>
+              <a:t>2.Cancelamento do Pedido</a:t>
+            </a:r>
+          </a:p>
+          <a:p>
+            <a:r>
+              <a:rPr lang="pt-BR" dirty="0"/>
+              <a:t>3.Receber Pedido.</a:t>
+            </a:r>
+          </a:p>
+          <a:p>
+            <a:endParaRPr lang="pt-BR" dirty="0"/>
           </a:p>
         </p:txBody>
       </p:sp>
@@ -4093,41 +4103,6 @@
       </p:cxnSp>
       <p:sp>
         <p:nvSpPr>
-          <p:cNvPr id="15" name="CaixaDeTexto 14">
-            <a:extLst>
-              <a:ext uri="{FF2B5EF4-FFF2-40B4-BE49-F238E27FC236}">
-                <a16:creationId xmlns:a16="http://schemas.microsoft.com/office/drawing/2014/main" id="{FB61F9E9-6C16-49AD-9D17-EFD85E95EFBF}"/>
-              </a:ext>
-            </a:extLst>
-          </p:cNvPr>
-          <p:cNvSpPr txBox="1"/>
-          <p:nvPr/>
-        </p:nvSpPr>
-        <p:spPr>
-          <a:xfrm>
-            <a:off x="8081359" y="1951124"/>
-            <a:ext cx="3008244" cy="369332"/>
-          </a:xfrm>
-          <a:prstGeom prst="rect">
-            <a:avLst/>
-          </a:prstGeom>
-          <a:noFill/>
-        </p:spPr>
-        <p:txBody>
-          <a:bodyPr wrap="square" rtlCol="0">
-            <a:spAutoFit/>
-          </a:bodyPr>
-          <a:lstStyle/>
-          <a:p>
-            <a:r>
-              <a:rPr lang="pt-BR" dirty="0"/>
-              <a:t>Comercio 5G ICE</a:t>
-            </a:r>
-          </a:p>
-        </p:txBody>
-      </p:sp>
-      <p:sp>
-        <p:nvSpPr>
           <p:cNvPr id="2" name="Cubo 1">
             <a:extLst>
               <a:ext uri="{FF2B5EF4-FFF2-40B4-BE49-F238E27FC236}">
@@ -4340,10 +4315,10 @@
       </p:sp>
       <p:sp>
         <p:nvSpPr>
-          <p:cNvPr id="10" name="Título 3">
-            <a:extLst>
-              <a:ext uri="{FF2B5EF4-FFF2-40B4-BE49-F238E27FC236}">
-                <a16:creationId xmlns:a16="http://schemas.microsoft.com/office/drawing/2014/main" id="{24659E52-7D9E-42AE-BC34-2B3467EE4DA4}"/>
+          <p:cNvPr id="11" name="Título 3">
+            <a:extLst>
+              <a:ext uri="{FF2B5EF4-FFF2-40B4-BE49-F238E27FC236}">
+                <a16:creationId xmlns:a16="http://schemas.microsoft.com/office/drawing/2014/main" id="{720B87D1-548C-44CA-A380-CCB14AF35A61}"/>
               </a:ext>
             </a:extLst>
           </p:cNvPr>
@@ -4354,7 +4329,7 @@
         </p:nvSpPr>
         <p:spPr>
           <a:xfrm>
-            <a:off x="838200" y="598451"/>
+            <a:off x="838200" y="509908"/>
             <a:ext cx="10515600" cy="590931"/>
           </a:xfrm>
           <a:prstGeom prst="rect">
@@ -4390,6 +4365,41 @@
             <a:r>
               <a:rPr lang="pt-BR" sz="3600" b="1" dirty="0"/>
               <a:t>Cenário: Fazer Pedido.</a:t>
+            </a:r>
+          </a:p>
+        </p:txBody>
+      </p:sp>
+      <p:sp>
+        <p:nvSpPr>
+          <p:cNvPr id="12" name="CaixaDeTexto 11">
+            <a:extLst>
+              <a:ext uri="{FF2B5EF4-FFF2-40B4-BE49-F238E27FC236}">
+                <a16:creationId xmlns:a16="http://schemas.microsoft.com/office/drawing/2014/main" id="{48D6C0F0-04ED-47CC-B34F-1A9BF4959453}"/>
+              </a:ext>
+            </a:extLst>
+          </p:cNvPr>
+          <p:cNvSpPr txBox="1"/>
+          <p:nvPr/>
+        </p:nvSpPr>
+        <p:spPr>
+          <a:xfrm>
+            <a:off x="8384619" y="1913809"/>
+            <a:ext cx="1833499" cy="369332"/>
+          </a:xfrm>
+          <a:prstGeom prst="rect">
+            <a:avLst/>
+          </a:prstGeom>
+          <a:noFill/>
+        </p:spPr>
+        <p:txBody>
+          <a:bodyPr wrap="square" rtlCol="0">
+            <a:spAutoFit/>
+          </a:bodyPr>
+          <a:lstStyle/>
+          <a:p>
+            <a:r>
+              <a:rPr lang="pt-BR" dirty="0"/>
+              <a:t>Comercio 5G ICE</a:t>
             </a:r>
           </a:p>
         </p:txBody>
@@ -4529,62 +4539,6 @@
           </a:p>
         </p:txBody>
       </p:sp>
-      <p:sp>
-        <p:nvSpPr>
-          <p:cNvPr id="11" name="Título 3">
-            <a:extLst>
-              <a:ext uri="{FF2B5EF4-FFF2-40B4-BE49-F238E27FC236}">
-                <a16:creationId xmlns:a16="http://schemas.microsoft.com/office/drawing/2014/main" id="{D85554FF-6319-489A-9607-1AD2E2AC0071}"/>
-              </a:ext>
-            </a:extLst>
-          </p:cNvPr>
-          <p:cNvSpPr txBox="1">
-            <a:spLocks/>
-          </p:cNvSpPr>
-          <p:nvPr/>
-        </p:nvSpPr>
-        <p:spPr>
-          <a:xfrm>
-            <a:off x="838200" y="598451"/>
-            <a:ext cx="10515600" cy="590931"/>
-          </a:xfrm>
-          <a:prstGeom prst="rect">
-            <a:avLst/>
-          </a:prstGeom>
-          <a:noFill/>
-        </p:spPr>
-        <p:txBody>
-          <a:bodyPr vert="horz" wrap="square" lIns="91440" tIns="45720" rIns="91440" bIns="45720" rtlCol="0" anchor="b">
-            <a:spAutoFit/>
-          </a:bodyPr>
-          <a:lstStyle>
-            <a:lvl1pPr algn="ctr" defTabSz="914400" rtl="0" eaLnBrk="1" latinLnBrk="0" hangingPunct="1">
-              <a:lnSpc>
-                <a:spcPct val="90000"/>
-              </a:lnSpc>
-              <a:spcBef>
-                <a:spcPct val="0"/>
-              </a:spcBef>
-              <a:buNone/>
-              <a:defRPr sz="6000" kern="1200">
-                <a:solidFill>
-                  <a:schemeClr val="tx1"/>
-                </a:solidFill>
-                <a:latin typeface="+mj-lt"/>
-                <a:ea typeface="+mj-ea"/>
-                <a:cs typeface="+mj-cs"/>
-              </a:defRPr>
-            </a:lvl1pPr>
-          </a:lstStyle>
-          <a:p>
-            <a:pPr algn="l"/>
-            <a:r>
-              <a:rPr lang="pt-BR" sz="3600" b="1" dirty="0"/>
-              <a:t>Cenário: Receber Pedido.</a:t>
-            </a:r>
-          </a:p>
-        </p:txBody>
-      </p:sp>
       <p:cxnSp>
         <p:nvCxnSpPr>
           <p:cNvPr id="13" name="Conector reto 12">
@@ -4625,41 +4579,6 @@
           </a:fontRef>
         </p:style>
       </p:cxnSp>
-      <p:sp>
-        <p:nvSpPr>
-          <p:cNvPr id="15" name="CaixaDeTexto 14">
-            <a:extLst>
-              <a:ext uri="{FF2B5EF4-FFF2-40B4-BE49-F238E27FC236}">
-                <a16:creationId xmlns:a16="http://schemas.microsoft.com/office/drawing/2014/main" id="{FB61F9E9-6C16-49AD-9D17-EFD85E95EFBF}"/>
-              </a:ext>
-            </a:extLst>
-          </p:cNvPr>
-          <p:cNvSpPr txBox="1"/>
-          <p:nvPr/>
-        </p:nvSpPr>
-        <p:spPr>
-          <a:xfrm>
-            <a:off x="8017564" y="1958081"/>
-            <a:ext cx="3008244" cy="369332"/>
-          </a:xfrm>
-          <a:prstGeom prst="rect">
-            <a:avLst/>
-          </a:prstGeom>
-          <a:noFill/>
-        </p:spPr>
-        <p:txBody>
-          <a:bodyPr wrap="square" rtlCol="0">
-            <a:spAutoFit/>
-          </a:bodyPr>
-          <a:lstStyle/>
-          <a:p>
-            <a:r>
-              <a:rPr lang="pt-BR" dirty="0"/>
-              <a:t>Comercio 5G ICE</a:t>
-            </a:r>
-          </a:p>
-        </p:txBody>
-      </p:sp>
       <p:sp>
         <p:nvSpPr>
           <p:cNvPr id="8" name="Cubo 7">
@@ -4708,7 +4627,7 @@
                   <a:schemeClr val="tx1"/>
                 </a:solidFill>
               </a:rPr>
-              <a:t>Navegador</a:t>
+              <a:t>Recepção</a:t>
             </a:r>
           </a:p>
           <a:p>
@@ -4773,7 +4692,7 @@
             <a:pPr algn="ctr"/>
             <a:r>
               <a:rPr lang="pt-BR" b="1" dirty="0"/>
-              <a:t>Tratar o Recebimento do cliente</a:t>
+              <a:t>Tratar o Cancelamento do Pedido</a:t>
             </a:r>
           </a:p>
         </p:txBody>
@@ -4818,10 +4737,101 @@
           </a:fontRef>
         </p:style>
       </p:cxnSp>
+      <p:sp>
+        <p:nvSpPr>
+          <p:cNvPr id="12" name="Título 3">
+            <a:extLst>
+              <a:ext uri="{FF2B5EF4-FFF2-40B4-BE49-F238E27FC236}">
+                <a16:creationId xmlns:a16="http://schemas.microsoft.com/office/drawing/2014/main" id="{798226B9-1729-484C-A892-94FD7B2AC7C7}"/>
+              </a:ext>
+            </a:extLst>
+          </p:cNvPr>
+          <p:cNvSpPr txBox="1">
+            <a:spLocks/>
+          </p:cNvSpPr>
+          <p:nvPr/>
+        </p:nvSpPr>
+        <p:spPr>
+          <a:xfrm>
+            <a:off x="838200" y="509908"/>
+            <a:ext cx="10515600" cy="590931"/>
+          </a:xfrm>
+          <a:prstGeom prst="rect">
+            <a:avLst/>
+          </a:prstGeom>
+          <a:noFill/>
+        </p:spPr>
+        <p:txBody>
+          <a:bodyPr vert="horz" wrap="square" lIns="91440" tIns="45720" rIns="91440" bIns="45720" rtlCol="0" anchor="b">
+            <a:spAutoFit/>
+          </a:bodyPr>
+          <a:lstStyle>
+            <a:lvl1pPr algn="ctr" defTabSz="914400" rtl="0" eaLnBrk="1" latinLnBrk="0" hangingPunct="1">
+              <a:lnSpc>
+                <a:spcPct val="90000"/>
+              </a:lnSpc>
+              <a:spcBef>
+                <a:spcPct val="0"/>
+              </a:spcBef>
+              <a:buNone/>
+              <a:defRPr sz="6000" kern="1200">
+                <a:solidFill>
+                  <a:schemeClr val="tx1"/>
+                </a:solidFill>
+                <a:latin typeface="+mj-lt"/>
+                <a:ea typeface="+mj-ea"/>
+                <a:cs typeface="+mj-cs"/>
+              </a:defRPr>
+            </a:lvl1pPr>
+          </a:lstStyle>
+          <a:p>
+            <a:pPr algn="l"/>
+            <a:r>
+              <a:rPr lang="pt-BR" sz="3600" b="1" dirty="0"/>
+              <a:t>Cenário: Cancelamento do Pedido.</a:t>
+            </a:r>
+          </a:p>
+        </p:txBody>
+      </p:sp>
+      <p:sp>
+        <p:nvSpPr>
+          <p:cNvPr id="14" name="CaixaDeTexto 13">
+            <a:extLst>
+              <a:ext uri="{FF2B5EF4-FFF2-40B4-BE49-F238E27FC236}">
+                <a16:creationId xmlns:a16="http://schemas.microsoft.com/office/drawing/2014/main" id="{6E872B2A-2715-46B1-BFFE-104C32B6FF1A}"/>
+              </a:ext>
+            </a:extLst>
+          </p:cNvPr>
+          <p:cNvSpPr txBox="1"/>
+          <p:nvPr/>
+        </p:nvSpPr>
+        <p:spPr>
+          <a:xfrm>
+            <a:off x="8384619" y="1913809"/>
+            <a:ext cx="1833499" cy="369332"/>
+          </a:xfrm>
+          <a:prstGeom prst="rect">
+            <a:avLst/>
+          </a:prstGeom>
+          <a:noFill/>
+        </p:spPr>
+        <p:txBody>
+          <a:bodyPr wrap="square" rtlCol="0">
+            <a:spAutoFit/>
+          </a:bodyPr>
+          <a:lstStyle/>
+          <a:p>
+            <a:r>
+              <a:rPr lang="pt-BR" dirty="0"/>
+              <a:t>Comercio 5G ICE</a:t>
+            </a:r>
+          </a:p>
+        </p:txBody>
+      </p:sp>
     </p:spTree>
     <p:extLst>
       <p:ext uri="{BB962C8B-B14F-4D97-AF65-F5344CB8AC3E}">
-        <p14:creationId xmlns:p14="http://schemas.microsoft.com/office/powerpoint/2010/main" val="497650167"/>
+        <p14:creationId xmlns:p14="http://schemas.microsoft.com/office/powerpoint/2010/main" val="1763190595"/>
       </p:ext>
     </p:extLst>
   </p:cSld>
@@ -4850,10 +4860,313 @@
       </p:grpSpPr>
       <p:sp>
         <p:nvSpPr>
-          <p:cNvPr id="4" name="Título 3">
-            <a:extLst>
-              <a:ext uri="{FF2B5EF4-FFF2-40B4-BE49-F238E27FC236}">
-                <a16:creationId xmlns:a16="http://schemas.microsoft.com/office/drawing/2014/main" id="{A4976D97-24BB-48CD-8FC5-6E705F50A640}"/>
+          <p:cNvPr id="6" name="Retângulo: Cantos Arredondados 5">
+            <a:extLst>
+              <a:ext uri="{FF2B5EF4-FFF2-40B4-BE49-F238E27FC236}">
+                <a16:creationId xmlns:a16="http://schemas.microsoft.com/office/drawing/2014/main" id="{222E71EB-668D-4A0C-83E3-99FE1AB790DD}"/>
+              </a:ext>
+            </a:extLst>
+          </p:cNvPr>
+          <p:cNvSpPr/>
+          <p:nvPr/>
+        </p:nvSpPr>
+        <p:spPr>
+          <a:xfrm>
+            <a:off x="7248939" y="1616765"/>
+            <a:ext cx="4104861" cy="3697357"/>
+          </a:xfrm>
+          <a:prstGeom prst="roundRect">
+            <a:avLst/>
+          </a:prstGeom>
+          <a:noFill/>
+          <a:ln w="9525" cap="flat" cmpd="sng" algn="ctr">
+            <a:solidFill>
+              <a:schemeClr val="accent1"/>
+            </a:solidFill>
+            <a:prstDash val="solid"/>
+            <a:round/>
+            <a:headEnd type="none" w="med" len="med"/>
+            <a:tailEnd type="none" w="med" len="med"/>
+          </a:ln>
+        </p:spPr>
+        <p:style>
+          <a:lnRef idx="0">
+            <a:scrgbClr r="0" g="0" b="0"/>
+          </a:lnRef>
+          <a:fillRef idx="0">
+            <a:scrgbClr r="0" g="0" b="0"/>
+          </a:fillRef>
+          <a:effectRef idx="0">
+            <a:scrgbClr r="0" g="0" b="0"/>
+          </a:effectRef>
+          <a:fontRef idx="minor">
+            <a:schemeClr val="accent1"/>
+          </a:fontRef>
+        </p:style>
+        <p:txBody>
+          <a:bodyPr rtlCol="0" anchor="ctr"/>
+          <a:lstStyle/>
+          <a:p>
+            <a:pPr algn="ctr"/>
+            <a:endParaRPr lang="pt-BR"/>
+          </a:p>
+        </p:txBody>
+      </p:sp>
+      <p:sp>
+        <p:nvSpPr>
+          <p:cNvPr id="7" name="Retângulo: Cantos Arredondados 6">
+            <a:extLst>
+              <a:ext uri="{FF2B5EF4-FFF2-40B4-BE49-F238E27FC236}">
+                <a16:creationId xmlns:a16="http://schemas.microsoft.com/office/drawing/2014/main" id="{DB1CEDCA-373A-4A69-AFE2-709137A69100}"/>
+              </a:ext>
+            </a:extLst>
+          </p:cNvPr>
+          <p:cNvSpPr/>
+          <p:nvPr/>
+        </p:nvSpPr>
+        <p:spPr>
+          <a:xfrm>
+            <a:off x="1046923" y="2736574"/>
+            <a:ext cx="2107094" cy="1457739"/>
+          </a:xfrm>
+          <a:prstGeom prst="roundRect">
+            <a:avLst>
+              <a:gd name="adj" fmla="val 20543"/>
+            </a:avLst>
+          </a:prstGeom>
+        </p:spPr>
+        <p:style>
+          <a:lnRef idx="2">
+            <a:schemeClr val="accent1">
+              <a:shade val="50000"/>
+            </a:schemeClr>
+          </a:lnRef>
+          <a:fillRef idx="1">
+            <a:schemeClr val="accent1"/>
+          </a:fillRef>
+          <a:effectRef idx="0">
+            <a:schemeClr val="accent1"/>
+          </a:effectRef>
+          <a:fontRef idx="minor">
+            <a:schemeClr val="lt1"/>
+          </a:fontRef>
+        </p:style>
+        <p:txBody>
+          <a:bodyPr rtlCol="0" anchor="ctr"/>
+          <a:lstStyle/>
+          <a:p>
+            <a:pPr algn="ctr"/>
+            <a:r>
+              <a:rPr lang="pt-BR" sz="4000" dirty="0"/>
+              <a:t>Cliente</a:t>
+            </a:r>
+          </a:p>
+        </p:txBody>
+      </p:sp>
+      <p:cxnSp>
+        <p:nvCxnSpPr>
+          <p:cNvPr id="13" name="Conector reto 12">
+            <a:extLst>
+              <a:ext uri="{FF2B5EF4-FFF2-40B4-BE49-F238E27FC236}">
+                <a16:creationId xmlns:a16="http://schemas.microsoft.com/office/drawing/2014/main" id="{2A841CEA-3126-48C5-8C31-2DA7E934AFCA}"/>
+              </a:ext>
+            </a:extLst>
+          </p:cNvPr>
+          <p:cNvCxnSpPr>
+            <a:cxnSpLocks/>
+            <a:stCxn id="7" idx="3"/>
+            <a:endCxn id="8" idx="2"/>
+          </p:cNvCxnSpPr>
+          <p:nvPr/>
+        </p:nvCxnSpPr>
+        <p:spPr>
+          <a:xfrm>
+            <a:off x="3154017" y="3465444"/>
+            <a:ext cx="4789003" cy="11677"/>
+          </a:xfrm>
+          <a:prstGeom prst="line">
+            <a:avLst/>
+          </a:prstGeom>
+        </p:spPr>
+        <p:style>
+          <a:lnRef idx="1">
+            <a:schemeClr val="accent1"/>
+          </a:lnRef>
+          <a:fillRef idx="0">
+            <a:schemeClr val="accent1"/>
+          </a:fillRef>
+          <a:effectRef idx="0">
+            <a:schemeClr val="accent1"/>
+          </a:effectRef>
+          <a:fontRef idx="minor">
+            <a:schemeClr val="tx1"/>
+          </a:fontRef>
+        </p:style>
+      </p:cxnSp>
+      <p:sp>
+        <p:nvSpPr>
+          <p:cNvPr id="8" name="Cubo 7">
+            <a:extLst>
+              <a:ext uri="{FF2B5EF4-FFF2-40B4-BE49-F238E27FC236}">
+                <a16:creationId xmlns:a16="http://schemas.microsoft.com/office/drawing/2014/main" id="{C796CE15-1492-419E-B720-74354B0982DB}"/>
+              </a:ext>
+            </a:extLst>
+          </p:cNvPr>
+          <p:cNvSpPr/>
+          <p:nvPr/>
+        </p:nvSpPr>
+        <p:spPr>
+          <a:xfrm>
+            <a:off x="7943020" y="2847702"/>
+            <a:ext cx="2504661" cy="1007071"/>
+          </a:xfrm>
+          <a:prstGeom prst="cube">
+            <a:avLst/>
+          </a:prstGeom>
+        </p:spPr>
+        <p:style>
+          <a:lnRef idx="2">
+            <a:schemeClr val="accent4">
+              <a:shade val="50000"/>
+            </a:schemeClr>
+          </a:lnRef>
+          <a:fillRef idx="1">
+            <a:schemeClr val="accent4"/>
+          </a:fillRef>
+          <a:effectRef idx="0">
+            <a:schemeClr val="accent4"/>
+          </a:effectRef>
+          <a:fontRef idx="minor">
+            <a:schemeClr val="lt1"/>
+          </a:fontRef>
+        </p:style>
+        <p:txBody>
+          <a:bodyPr rtlCol="0" anchor="ctr"/>
+          <a:lstStyle/>
+          <a:p>
+            <a:pPr algn="ctr"/>
+            <a:r>
+              <a:rPr lang="pt-BR" sz="1600" dirty="0">
+                <a:solidFill>
+                  <a:schemeClr val="tx1"/>
+                </a:solidFill>
+              </a:rPr>
+              <a:t>Transporte</a:t>
+            </a:r>
+          </a:p>
+          <a:p>
+            <a:pPr algn="ctr"/>
+            <a:r>
+              <a:rPr lang="pt-BR" sz="1600" b="1" dirty="0">
+                <a:solidFill>
+                  <a:schemeClr val="tx1"/>
+                </a:solidFill>
+              </a:rPr>
+              <a:t>(Nó operacional)</a:t>
+            </a:r>
+            <a:endParaRPr lang="pt-BR" b="1" dirty="0">
+              <a:solidFill>
+                <a:schemeClr val="tx1"/>
+              </a:solidFill>
+            </a:endParaRPr>
+          </a:p>
+        </p:txBody>
+      </p:sp>
+      <p:sp>
+        <p:nvSpPr>
+          <p:cNvPr id="9" name="Retângulo: Cantos Arredondados 8">
+            <a:extLst>
+              <a:ext uri="{FF2B5EF4-FFF2-40B4-BE49-F238E27FC236}">
+                <a16:creationId xmlns:a16="http://schemas.microsoft.com/office/drawing/2014/main" id="{05E9B5B0-6C89-4AA3-B80F-6ED00565857F}"/>
+              </a:ext>
+            </a:extLst>
+          </p:cNvPr>
+          <p:cNvSpPr/>
+          <p:nvPr/>
+        </p:nvSpPr>
+        <p:spPr>
+          <a:xfrm>
+            <a:off x="7783531" y="4382019"/>
+            <a:ext cx="2583213" cy="703691"/>
+          </a:xfrm>
+          <a:prstGeom prst="roundRect">
+            <a:avLst/>
+          </a:prstGeom>
+        </p:spPr>
+        <p:style>
+          <a:lnRef idx="2">
+            <a:schemeClr val="accent6">
+              <a:shade val="50000"/>
+            </a:schemeClr>
+          </a:lnRef>
+          <a:fillRef idx="1">
+            <a:schemeClr val="accent6"/>
+          </a:fillRef>
+          <a:effectRef idx="0">
+            <a:schemeClr val="accent6"/>
+          </a:effectRef>
+          <a:fontRef idx="minor">
+            <a:schemeClr val="lt1"/>
+          </a:fontRef>
+        </p:style>
+        <p:txBody>
+          <a:bodyPr rtlCol="0" anchor="ctr"/>
+          <a:lstStyle/>
+          <a:p>
+            <a:pPr algn="ctr"/>
+            <a:r>
+              <a:rPr lang="pt-BR" b="1" dirty="0"/>
+              <a:t>Tratar o Recebimento do cliente</a:t>
+            </a:r>
+          </a:p>
+        </p:txBody>
+      </p:sp>
+      <p:cxnSp>
+        <p:nvCxnSpPr>
+          <p:cNvPr id="10" name="Conector reto 9">
+            <a:extLst>
+              <a:ext uri="{FF2B5EF4-FFF2-40B4-BE49-F238E27FC236}">
+                <a16:creationId xmlns:a16="http://schemas.microsoft.com/office/drawing/2014/main" id="{5163F80F-ADA9-4B06-9A04-122EBA918977}"/>
+              </a:ext>
+            </a:extLst>
+          </p:cNvPr>
+          <p:cNvCxnSpPr>
+            <a:cxnSpLocks/>
+            <a:stCxn id="8" idx="3"/>
+            <a:endCxn id="9" idx="0"/>
+          </p:cNvCxnSpPr>
+          <p:nvPr/>
+        </p:nvCxnSpPr>
+        <p:spPr>
+          <a:xfrm>
+            <a:off x="9069467" y="3854773"/>
+            <a:ext cx="5671" cy="527246"/>
+          </a:xfrm>
+          <a:prstGeom prst="line">
+            <a:avLst/>
+          </a:prstGeom>
+        </p:spPr>
+        <p:style>
+          <a:lnRef idx="1">
+            <a:schemeClr val="accent1"/>
+          </a:lnRef>
+          <a:fillRef idx="0">
+            <a:schemeClr val="accent1"/>
+          </a:fillRef>
+          <a:effectRef idx="0">
+            <a:schemeClr val="accent1"/>
+          </a:effectRef>
+          <a:fontRef idx="minor">
+            <a:schemeClr val="tx1"/>
+          </a:fontRef>
+        </p:style>
+      </p:cxnSp>
+      <p:sp>
+        <p:nvSpPr>
+          <p:cNvPr id="14" name="Título 3">
+            <a:extLst>
+              <a:ext uri="{FF2B5EF4-FFF2-40B4-BE49-F238E27FC236}">
+                <a16:creationId xmlns:a16="http://schemas.microsoft.com/office/drawing/2014/main" id="{95E01FA8-099E-4408-8E98-40D9CB053900}"/>
               </a:ext>
             </a:extLst>
           </p:cNvPr>
@@ -4864,7 +5177,7 @@
         </p:nvSpPr>
         <p:spPr>
           <a:xfrm>
-            <a:off x="690716" y="396915"/>
+            <a:off x="838200" y="509908"/>
             <a:ext cx="10515600" cy="590931"/>
           </a:xfrm>
           <a:prstGeom prst="rect">
@@ -4899,17 +5212,17 @@
             <a:pPr algn="l"/>
             <a:r>
               <a:rPr lang="pt-BR" sz="3600" b="1" dirty="0"/>
-              <a:t>Resumo</a:t>
-            </a:r>
-          </a:p>
-        </p:txBody>
-      </p:sp>
-      <p:sp>
-        <p:nvSpPr>
-          <p:cNvPr id="5" name="CaixaDeTexto 4">
-            <a:extLst>
-              <a:ext uri="{FF2B5EF4-FFF2-40B4-BE49-F238E27FC236}">
-                <a16:creationId xmlns:a16="http://schemas.microsoft.com/office/drawing/2014/main" id="{9F0207CE-3B6B-4ECC-84F5-A3D0557E57D1}"/>
+              <a:t>Cenário: Receber Pedido.</a:t>
+            </a:r>
+          </a:p>
+        </p:txBody>
+      </p:sp>
+      <p:sp>
+        <p:nvSpPr>
+          <p:cNvPr id="16" name="CaixaDeTexto 15">
+            <a:extLst>
+              <a:ext uri="{FF2B5EF4-FFF2-40B4-BE49-F238E27FC236}">
+                <a16:creationId xmlns:a16="http://schemas.microsoft.com/office/drawing/2014/main" id="{F1AEB861-7338-4EE0-83A4-A246619047EF}"/>
               </a:ext>
             </a:extLst>
           </p:cNvPr>
@@ -4918,8 +5231,8 @@
         </p:nvSpPr>
         <p:spPr>
           <a:xfrm>
-            <a:off x="513735" y="1665399"/>
-            <a:ext cx="3207025" cy="646331"/>
+            <a:off x="8384619" y="1913809"/>
+            <a:ext cx="1833499" cy="369332"/>
           </a:xfrm>
           <a:prstGeom prst="rect">
             <a:avLst/>
@@ -4933,31 +5246,60 @@
           <a:lstStyle/>
           <a:p>
             <a:r>
-              <a:rPr lang="pt-BR" b="1" dirty="0"/>
-              <a:t>Cenário: Fazer Pedido.</a:t>
-            </a:r>
-          </a:p>
-          <a:p>
-            <a:endParaRPr lang="pt-BR" b="1" dirty="0"/>
-          </a:p>
-        </p:txBody>
-      </p:sp>
-      <p:sp>
-        <p:nvSpPr>
-          <p:cNvPr id="7" name="CaixaDeTexto 6">
-            <a:extLst>
-              <a:ext uri="{FF2B5EF4-FFF2-40B4-BE49-F238E27FC236}">
-                <a16:creationId xmlns:a16="http://schemas.microsoft.com/office/drawing/2014/main" id="{A35C3E72-CD7C-4515-A8E4-CBD4304BC969}"/>
-              </a:ext>
-            </a:extLst>
-          </p:cNvPr>
-          <p:cNvSpPr txBox="1"/>
+              <a:rPr lang="pt-BR" dirty="0"/>
+              <a:t>Comercio 5G ICE</a:t>
+            </a:r>
+          </a:p>
+        </p:txBody>
+      </p:sp>
+    </p:spTree>
+    <p:extLst>
+      <p:ext uri="{BB962C8B-B14F-4D97-AF65-F5344CB8AC3E}">
+        <p14:creationId xmlns:p14="http://schemas.microsoft.com/office/powerpoint/2010/main" val="497650167"/>
+      </p:ext>
+    </p:extLst>
+  </p:cSld>
+  <p:clrMapOvr>
+    <a:masterClrMapping/>
+  </p:clrMapOvr>
+</p:sld>
+</file>
+
+<file path=ppt/slides/slide5.xml><?xml version="1.0" encoding="utf-8"?>
+<p:sld xmlns:a="http://schemas.openxmlformats.org/drawingml/2006/main" xmlns:r="http://schemas.openxmlformats.org/officeDocument/2006/relationships" xmlns:p="http://schemas.openxmlformats.org/presentationml/2006/main">
+  <p:cSld>
+    <p:spTree>
+      <p:nvGrpSpPr>
+        <p:cNvPr id="1" name=""/>
+        <p:cNvGrpSpPr/>
+        <p:nvPr/>
+      </p:nvGrpSpPr>
+      <p:grpSpPr>
+        <a:xfrm>
+          <a:off x="0" y="0"/>
+          <a:ext cx="0" cy="0"/>
+          <a:chOff x="0" y="0"/>
+          <a:chExt cx="0" cy="0"/>
+        </a:xfrm>
+      </p:grpSpPr>
+      <p:sp>
+        <p:nvSpPr>
+          <p:cNvPr id="4" name="Título 3">
+            <a:extLst>
+              <a:ext uri="{FF2B5EF4-FFF2-40B4-BE49-F238E27FC236}">
+                <a16:creationId xmlns:a16="http://schemas.microsoft.com/office/drawing/2014/main" id="{A4976D97-24BB-48CD-8FC5-6E705F50A640}"/>
+              </a:ext>
+            </a:extLst>
+          </p:cNvPr>
+          <p:cNvSpPr txBox="1">
+            <a:spLocks/>
+          </p:cNvSpPr>
           <p:nvPr/>
         </p:nvSpPr>
         <p:spPr>
           <a:xfrm>
-            <a:off x="4058267" y="1665399"/>
-            <a:ext cx="3207025" cy="369332"/>
+            <a:off x="690716" y="396915"/>
+            <a:ext cx="10515600" cy="590931"/>
           </a:xfrm>
           <a:prstGeom prst="rect">
             <a:avLst/>
@@ -4965,24 +5307,43 @@
           <a:noFill/>
         </p:spPr>
         <p:txBody>
-          <a:bodyPr wrap="square">
+          <a:bodyPr vert="horz" wrap="square" lIns="91440" tIns="45720" rIns="91440" bIns="45720" rtlCol="0" anchor="b">
             <a:spAutoFit/>
           </a:bodyPr>
-          <a:lstStyle/>
-          <a:p>
-            <a:r>
-              <a:rPr lang="pt-BR" b="1" dirty="0"/>
-              <a:t>Cenário: Receber Pedido.</a:t>
-            </a:r>
-          </a:p>
-        </p:txBody>
-      </p:sp>
-      <p:sp>
-        <p:nvSpPr>
-          <p:cNvPr id="10" name="CaixaDeTexto 9">
-            <a:extLst>
-              <a:ext uri="{FF2B5EF4-FFF2-40B4-BE49-F238E27FC236}">
-                <a16:creationId xmlns:a16="http://schemas.microsoft.com/office/drawing/2014/main" id="{66B892EA-D7D8-467C-A6A4-A1B0EF678CD0}"/>
+          <a:lstStyle>
+            <a:lvl1pPr algn="ctr" defTabSz="914400" rtl="0" eaLnBrk="1" latinLnBrk="0" hangingPunct="1">
+              <a:lnSpc>
+                <a:spcPct val="90000"/>
+              </a:lnSpc>
+              <a:spcBef>
+                <a:spcPct val="0"/>
+              </a:spcBef>
+              <a:buNone/>
+              <a:defRPr sz="6000" kern="1200">
+                <a:solidFill>
+                  <a:schemeClr val="tx1"/>
+                </a:solidFill>
+                <a:latin typeface="+mj-lt"/>
+                <a:ea typeface="+mj-ea"/>
+                <a:cs typeface="+mj-cs"/>
+              </a:defRPr>
+            </a:lvl1pPr>
+          </a:lstStyle>
+          <a:p>
+            <a:pPr algn="l"/>
+            <a:r>
+              <a:rPr lang="pt-BR" sz="3600" b="1" dirty="0"/>
+              <a:t>Resumo</a:t>
+            </a:r>
+          </a:p>
+        </p:txBody>
+      </p:sp>
+      <p:sp>
+        <p:nvSpPr>
+          <p:cNvPr id="5" name="CaixaDeTexto 4">
+            <a:extLst>
+              <a:ext uri="{FF2B5EF4-FFF2-40B4-BE49-F238E27FC236}">
+                <a16:creationId xmlns:a16="http://schemas.microsoft.com/office/drawing/2014/main" id="{9F0207CE-3B6B-4ECC-84F5-A3D0557E57D1}"/>
               </a:ext>
             </a:extLst>
           </p:cNvPr>
@@ -4991,8 +5352,8 @@
         </p:nvSpPr>
         <p:spPr>
           <a:xfrm>
-            <a:off x="513735" y="2123768"/>
-            <a:ext cx="2848897" cy="369332"/>
+            <a:off x="513735" y="1665399"/>
+            <a:ext cx="3207025" cy="646331"/>
           </a:xfrm>
           <a:prstGeom prst="rect">
             <a:avLst/>
@@ -5006,22 +5367,21 @@
           <a:lstStyle/>
           <a:p>
             <a:r>
-              <a:rPr lang="pt-BR" dirty="0"/>
-              <a:t>Nó Operacional: </a:t>
-            </a:r>
-            <a:r>
               <a:rPr lang="pt-BR" b="1" dirty="0"/>
-              <a:t>Recepção</a:t>
-            </a:r>
-          </a:p>
-        </p:txBody>
-      </p:sp>
-      <p:sp>
-        <p:nvSpPr>
-          <p:cNvPr id="11" name="CaixaDeTexto 10">
-            <a:extLst>
-              <a:ext uri="{FF2B5EF4-FFF2-40B4-BE49-F238E27FC236}">
-                <a16:creationId xmlns:a16="http://schemas.microsoft.com/office/drawing/2014/main" id="{6B9264EA-D377-4173-A4EB-6D8A1522AB6F}"/>
+              <a:t>Cenário: Fazer Pedido.</a:t>
+            </a:r>
+          </a:p>
+          <a:p>
+            <a:endParaRPr lang="pt-BR" b="1" dirty="0"/>
+          </a:p>
+        </p:txBody>
+      </p:sp>
+      <p:sp>
+        <p:nvSpPr>
+          <p:cNvPr id="7" name="CaixaDeTexto 6">
+            <a:extLst>
+              <a:ext uri="{FF2B5EF4-FFF2-40B4-BE49-F238E27FC236}">
+                <a16:creationId xmlns:a16="http://schemas.microsoft.com/office/drawing/2014/main" id="{A35C3E72-CD7C-4515-A8E4-CBD4304BC969}"/>
               </a:ext>
             </a:extLst>
           </p:cNvPr>
@@ -5030,8 +5390,8 @@
         </p:nvSpPr>
         <p:spPr>
           <a:xfrm>
-            <a:off x="4033685" y="2167725"/>
-            <a:ext cx="2848897" cy="369332"/>
+            <a:off x="8382750" y="1665399"/>
+            <a:ext cx="3207025" cy="369332"/>
           </a:xfrm>
           <a:prstGeom prst="rect">
             <a:avLst/>
@@ -5039,28 +5399,24 @@
           <a:noFill/>
         </p:spPr>
         <p:txBody>
-          <a:bodyPr wrap="square" rtlCol="0">
+          <a:bodyPr wrap="square">
             <a:spAutoFit/>
           </a:bodyPr>
           <a:lstStyle/>
           <a:p>
             <a:r>
-              <a:rPr lang="pt-BR" dirty="0"/>
-              <a:t>Nó Operacional: </a:t>
-            </a:r>
-            <a:r>
               <a:rPr lang="pt-BR" b="1" dirty="0"/>
-              <a:t>Recepção</a:t>
-            </a:r>
-          </a:p>
-        </p:txBody>
-      </p:sp>
-      <p:sp>
-        <p:nvSpPr>
-          <p:cNvPr id="13" name="CaixaDeTexto 12">
-            <a:extLst>
-              <a:ext uri="{FF2B5EF4-FFF2-40B4-BE49-F238E27FC236}">
-                <a16:creationId xmlns:a16="http://schemas.microsoft.com/office/drawing/2014/main" id="{AC91D485-B736-4B6E-B38A-13FEABD0F12C}"/>
+              <a:t>Cenário: Receber Pedido.</a:t>
+            </a:r>
+          </a:p>
+        </p:txBody>
+      </p:sp>
+      <p:sp>
+        <p:nvSpPr>
+          <p:cNvPr id="10" name="CaixaDeTexto 9">
+            <a:extLst>
+              <a:ext uri="{FF2B5EF4-FFF2-40B4-BE49-F238E27FC236}">
+                <a16:creationId xmlns:a16="http://schemas.microsoft.com/office/drawing/2014/main" id="{66B892EA-D7D8-467C-A6A4-A1B0EF678CD0}"/>
               </a:ext>
             </a:extLst>
           </p:cNvPr>
@@ -5069,8 +5425,8 @@
         </p:nvSpPr>
         <p:spPr>
           <a:xfrm>
-            <a:off x="602225" y="2640546"/>
-            <a:ext cx="2671916" cy="369332"/>
+            <a:off x="513735" y="2123768"/>
+            <a:ext cx="2848897" cy="369332"/>
           </a:xfrm>
           <a:prstGeom prst="rect">
             <a:avLst/>
@@ -5085,17 +5441,21 @@
           <a:p>
             <a:r>
               <a:rPr lang="pt-BR" dirty="0"/>
-              <a:t>Capacidade do Recepção:</a:t>
-            </a:r>
-          </a:p>
-        </p:txBody>
-      </p:sp>
-      <p:sp>
-        <p:nvSpPr>
-          <p:cNvPr id="14" name="CaixaDeTexto 13">
-            <a:extLst>
-              <a:ext uri="{FF2B5EF4-FFF2-40B4-BE49-F238E27FC236}">
-                <a16:creationId xmlns:a16="http://schemas.microsoft.com/office/drawing/2014/main" id="{A98FE156-4E6A-4963-AD17-EC39D849FFAC}"/>
+              <a:t>Nó Operacional: </a:t>
+            </a:r>
+            <a:r>
+              <a:rPr lang="pt-BR" b="1" dirty="0"/>
+              <a:t>Recepção</a:t>
+            </a:r>
+          </a:p>
+        </p:txBody>
+      </p:sp>
+      <p:sp>
+        <p:nvSpPr>
+          <p:cNvPr id="11" name="CaixaDeTexto 10">
+            <a:extLst>
+              <a:ext uri="{FF2B5EF4-FFF2-40B4-BE49-F238E27FC236}">
+                <a16:creationId xmlns:a16="http://schemas.microsoft.com/office/drawing/2014/main" id="{6B9264EA-D377-4173-A4EB-6D8A1522AB6F}"/>
               </a:ext>
             </a:extLst>
           </p:cNvPr>
@@ -5104,8 +5464,8 @@
         </p:nvSpPr>
         <p:spPr>
           <a:xfrm>
-            <a:off x="4122175" y="2640546"/>
-            <a:ext cx="2671916" cy="369332"/>
+            <a:off x="8358168" y="2167725"/>
+            <a:ext cx="2848897" cy="369332"/>
           </a:xfrm>
           <a:prstGeom prst="rect">
             <a:avLst/>
@@ -5120,17 +5480,21 @@
           <a:p>
             <a:r>
               <a:rPr lang="pt-BR" dirty="0"/>
-              <a:t>Capacidade do Recepção:</a:t>
-            </a:r>
-          </a:p>
-        </p:txBody>
-      </p:sp>
-      <p:sp>
-        <p:nvSpPr>
-          <p:cNvPr id="16" name="CaixaDeTexto 15">
-            <a:extLst>
-              <a:ext uri="{FF2B5EF4-FFF2-40B4-BE49-F238E27FC236}">
-                <a16:creationId xmlns:a16="http://schemas.microsoft.com/office/drawing/2014/main" id="{751001A1-52FB-4CA0-93D4-2B60C0FB9DA7}"/>
+              <a:t>Nó Operacional: </a:t>
+            </a:r>
+            <a:r>
+              <a:rPr lang="pt-BR" b="1" dirty="0"/>
+              <a:t>Transporte</a:t>
+            </a:r>
+          </a:p>
+        </p:txBody>
+      </p:sp>
+      <p:sp>
+        <p:nvSpPr>
+          <p:cNvPr id="13" name="CaixaDeTexto 12">
+            <a:extLst>
+              <a:ext uri="{FF2B5EF4-FFF2-40B4-BE49-F238E27FC236}">
+                <a16:creationId xmlns:a16="http://schemas.microsoft.com/office/drawing/2014/main" id="{AC91D485-B736-4B6E-B38A-13FEABD0F12C}"/>
               </a:ext>
             </a:extLst>
           </p:cNvPr>
@@ -5139,8 +5503,8 @@
         </p:nvSpPr>
         <p:spPr>
           <a:xfrm>
-            <a:off x="602224" y="3157324"/>
-            <a:ext cx="2848897" cy="369332"/>
+            <a:off x="602225" y="2640546"/>
+            <a:ext cx="2671916" cy="369332"/>
           </a:xfrm>
           <a:prstGeom prst="rect">
             <a:avLst/>
@@ -5154,19 +5518,18 @@
           <a:lstStyle/>
           <a:p>
             <a:r>
-              <a:rPr lang="pt-BR" b="1" dirty="0"/>
-              <a:t>Tratar o pedido do cliente</a:t>
-            </a:r>
-            <a:endParaRPr lang="pt-BR" dirty="0"/>
-          </a:p>
-        </p:txBody>
-      </p:sp>
-      <p:sp>
-        <p:nvSpPr>
-          <p:cNvPr id="17" name="CaixaDeTexto 16">
-            <a:extLst>
-              <a:ext uri="{FF2B5EF4-FFF2-40B4-BE49-F238E27FC236}">
-                <a16:creationId xmlns:a16="http://schemas.microsoft.com/office/drawing/2014/main" id="{8655F1F1-835C-4B4A-81AB-1CC8EB4F311A}"/>
+              <a:rPr lang="pt-BR" dirty="0"/>
+              <a:t>Capacidade do Recepção:</a:t>
+            </a:r>
+          </a:p>
+        </p:txBody>
+      </p:sp>
+      <p:sp>
+        <p:nvSpPr>
+          <p:cNvPr id="14" name="CaixaDeTexto 13">
+            <a:extLst>
+              <a:ext uri="{FF2B5EF4-FFF2-40B4-BE49-F238E27FC236}">
+                <a16:creationId xmlns:a16="http://schemas.microsoft.com/office/drawing/2014/main" id="{A98FE156-4E6A-4963-AD17-EC39D849FFAC}"/>
               </a:ext>
             </a:extLst>
           </p:cNvPr>
@@ -5175,8 +5538,8 @@
         </p:nvSpPr>
         <p:spPr>
           <a:xfrm>
-            <a:off x="4058267" y="3157324"/>
-            <a:ext cx="3427054" cy="369332"/>
+            <a:off x="8446658" y="2640546"/>
+            <a:ext cx="2671916" cy="369332"/>
           </a:xfrm>
           <a:prstGeom prst="rect">
             <a:avLst/>
@@ -5190,8 +5553,229 @@
           <a:lstStyle/>
           <a:p>
             <a:r>
+              <a:rPr lang="pt-BR" dirty="0"/>
+              <a:t>Capacidade do Transporte:</a:t>
+            </a:r>
+          </a:p>
+        </p:txBody>
+      </p:sp>
+      <p:sp>
+        <p:nvSpPr>
+          <p:cNvPr id="16" name="CaixaDeTexto 15">
+            <a:extLst>
+              <a:ext uri="{FF2B5EF4-FFF2-40B4-BE49-F238E27FC236}">
+                <a16:creationId xmlns:a16="http://schemas.microsoft.com/office/drawing/2014/main" id="{751001A1-52FB-4CA0-93D4-2B60C0FB9DA7}"/>
+              </a:ext>
+            </a:extLst>
+          </p:cNvPr>
+          <p:cNvSpPr txBox="1"/>
+          <p:nvPr/>
+        </p:nvSpPr>
+        <p:spPr>
+          <a:xfrm>
+            <a:off x="602224" y="3157324"/>
+            <a:ext cx="2848897" cy="369332"/>
+          </a:xfrm>
+          <a:prstGeom prst="rect">
+            <a:avLst/>
+          </a:prstGeom>
+          <a:noFill/>
+        </p:spPr>
+        <p:txBody>
+          <a:bodyPr wrap="square" rtlCol="0">
+            <a:spAutoFit/>
+          </a:bodyPr>
+          <a:lstStyle/>
+          <a:p>
+            <a:r>
+              <a:rPr lang="pt-BR" b="1" dirty="0"/>
+              <a:t>Tratar o pedido do cliente</a:t>
+            </a:r>
+            <a:endParaRPr lang="pt-BR" dirty="0"/>
+          </a:p>
+        </p:txBody>
+      </p:sp>
+      <p:sp>
+        <p:nvSpPr>
+          <p:cNvPr id="17" name="CaixaDeTexto 16">
+            <a:extLst>
+              <a:ext uri="{FF2B5EF4-FFF2-40B4-BE49-F238E27FC236}">
+                <a16:creationId xmlns:a16="http://schemas.microsoft.com/office/drawing/2014/main" id="{8655F1F1-835C-4B4A-81AB-1CC8EB4F311A}"/>
+              </a:ext>
+            </a:extLst>
+          </p:cNvPr>
+          <p:cNvSpPr txBox="1"/>
+          <p:nvPr/>
+        </p:nvSpPr>
+        <p:spPr>
+          <a:xfrm>
+            <a:off x="8382750" y="3157324"/>
+            <a:ext cx="3427054" cy="369332"/>
+          </a:xfrm>
+          <a:prstGeom prst="rect">
+            <a:avLst/>
+          </a:prstGeom>
+          <a:noFill/>
+        </p:spPr>
+        <p:txBody>
+          <a:bodyPr wrap="square" rtlCol="0">
+            <a:spAutoFit/>
+          </a:bodyPr>
+          <a:lstStyle/>
+          <a:p>
+            <a:r>
               <a:rPr lang="pt-BR" b="1" dirty="0"/>
               <a:t>Tratar o recebimento do cliente</a:t>
+            </a:r>
+            <a:endParaRPr lang="pt-BR" dirty="0"/>
+          </a:p>
+        </p:txBody>
+      </p:sp>
+      <p:sp>
+        <p:nvSpPr>
+          <p:cNvPr id="12" name="CaixaDeTexto 11">
+            <a:extLst>
+              <a:ext uri="{FF2B5EF4-FFF2-40B4-BE49-F238E27FC236}">
+                <a16:creationId xmlns:a16="http://schemas.microsoft.com/office/drawing/2014/main" id="{A6FB4E3A-23A7-4E10-8B21-8913E5E873EC}"/>
+              </a:ext>
+            </a:extLst>
+          </p:cNvPr>
+          <p:cNvSpPr txBox="1"/>
+          <p:nvPr/>
+        </p:nvSpPr>
+        <p:spPr>
+          <a:xfrm>
+            <a:off x="3720760" y="1665399"/>
+            <a:ext cx="3634450" cy="369332"/>
+          </a:xfrm>
+          <a:prstGeom prst="rect">
+            <a:avLst/>
+          </a:prstGeom>
+          <a:noFill/>
+        </p:spPr>
+        <p:txBody>
+          <a:bodyPr wrap="square">
+            <a:spAutoFit/>
+          </a:bodyPr>
+          <a:lstStyle/>
+          <a:p>
+            <a:r>
+              <a:rPr lang="pt-BR" b="1" dirty="0"/>
+              <a:t>Cenário: </a:t>
+            </a:r>
+            <a:r>
+              <a:rPr lang="pt-BR" sz="1800" b="1" dirty="0"/>
+              <a:t>Cancelamento do Pedido.</a:t>
+            </a:r>
+            <a:endParaRPr lang="pt-BR" b="1" dirty="0"/>
+          </a:p>
+        </p:txBody>
+      </p:sp>
+      <p:sp>
+        <p:nvSpPr>
+          <p:cNvPr id="15" name="CaixaDeTexto 14">
+            <a:extLst>
+              <a:ext uri="{FF2B5EF4-FFF2-40B4-BE49-F238E27FC236}">
+                <a16:creationId xmlns:a16="http://schemas.microsoft.com/office/drawing/2014/main" id="{59D85996-024D-4F4F-B70E-F24CB64AE52C}"/>
+              </a:ext>
+            </a:extLst>
+          </p:cNvPr>
+          <p:cNvSpPr txBox="1"/>
+          <p:nvPr/>
+        </p:nvSpPr>
+        <p:spPr>
+          <a:xfrm>
+            <a:off x="3696178" y="2167725"/>
+            <a:ext cx="2848897" cy="369332"/>
+          </a:xfrm>
+          <a:prstGeom prst="rect">
+            <a:avLst/>
+          </a:prstGeom>
+          <a:noFill/>
+        </p:spPr>
+        <p:txBody>
+          <a:bodyPr wrap="square" rtlCol="0">
+            <a:spAutoFit/>
+          </a:bodyPr>
+          <a:lstStyle/>
+          <a:p>
+            <a:r>
+              <a:rPr lang="pt-BR" dirty="0"/>
+              <a:t>Nó Operacional: </a:t>
+            </a:r>
+            <a:r>
+              <a:rPr lang="pt-BR" b="1" dirty="0"/>
+              <a:t>Recepção</a:t>
+            </a:r>
+          </a:p>
+        </p:txBody>
+      </p:sp>
+      <p:sp>
+        <p:nvSpPr>
+          <p:cNvPr id="18" name="CaixaDeTexto 17">
+            <a:extLst>
+              <a:ext uri="{FF2B5EF4-FFF2-40B4-BE49-F238E27FC236}">
+                <a16:creationId xmlns:a16="http://schemas.microsoft.com/office/drawing/2014/main" id="{E6307D29-39D8-46FD-8841-C400118AB7A7}"/>
+              </a:ext>
+            </a:extLst>
+          </p:cNvPr>
+          <p:cNvSpPr txBox="1"/>
+          <p:nvPr/>
+        </p:nvSpPr>
+        <p:spPr>
+          <a:xfrm>
+            <a:off x="3784668" y="2640546"/>
+            <a:ext cx="2671916" cy="369332"/>
+          </a:xfrm>
+          <a:prstGeom prst="rect">
+            <a:avLst/>
+          </a:prstGeom>
+          <a:noFill/>
+        </p:spPr>
+        <p:txBody>
+          <a:bodyPr wrap="square" rtlCol="0">
+            <a:spAutoFit/>
+          </a:bodyPr>
+          <a:lstStyle/>
+          <a:p>
+            <a:r>
+              <a:rPr lang="pt-BR" dirty="0"/>
+              <a:t>Capacidade do Recepção:</a:t>
+            </a:r>
+          </a:p>
+        </p:txBody>
+      </p:sp>
+      <p:sp>
+        <p:nvSpPr>
+          <p:cNvPr id="19" name="CaixaDeTexto 18">
+            <a:extLst>
+              <a:ext uri="{FF2B5EF4-FFF2-40B4-BE49-F238E27FC236}">
+                <a16:creationId xmlns:a16="http://schemas.microsoft.com/office/drawing/2014/main" id="{18D62F56-BBF2-4A18-8390-C4139D2FD9CA}"/>
+              </a:ext>
+            </a:extLst>
+          </p:cNvPr>
+          <p:cNvSpPr txBox="1"/>
+          <p:nvPr/>
+        </p:nvSpPr>
+        <p:spPr>
+          <a:xfrm>
+            <a:off x="3720760" y="3157324"/>
+            <a:ext cx="3427054" cy="369332"/>
+          </a:xfrm>
+          <a:prstGeom prst="rect">
+            <a:avLst/>
+          </a:prstGeom>
+          <a:noFill/>
+        </p:spPr>
+        <p:txBody>
+          <a:bodyPr wrap="square" rtlCol="0">
+            <a:spAutoFit/>
+          </a:bodyPr>
+          <a:lstStyle/>
+          <a:p>
+            <a:r>
+              <a:rPr lang="pt-BR" b="1" dirty="0"/>
+              <a:t>Tratar o cancelamento do cliente</a:t>
             </a:r>
             <a:endParaRPr lang="pt-BR" dirty="0"/>
           </a:p>
@@ -5801,21 +6385,6 @@
 </file>
 
 <file path=customXml/item1.xml><?xml version="1.0" encoding="utf-8"?>
-<p:properties xmlns:p="http://schemas.microsoft.com/office/2006/metadata/properties" xmlns:xsi="http://www.w3.org/2001/XMLSchema-instance" xmlns:pc="http://schemas.microsoft.com/office/infopath/2007/PartnerControls">
-  <documentManagement/>
-</p:properties>
-</file>
-
-<file path=customXml/item2.xml><?xml version="1.0" encoding="utf-8"?>
-<?mso-contentType ?>
-<FormTemplates xmlns="http://schemas.microsoft.com/sharepoint/v3/contenttype/forms">
-  <Display>DocumentLibraryForm</Display>
-  <Edit>DocumentLibraryForm</Edit>
-  <New>DocumentLibraryForm</New>
-</FormTemplates>
-</file>
-
-<file path=customXml/item3.xml><?xml version="1.0" encoding="utf-8"?>
 <ct:contentTypeSchema xmlns:ct="http://schemas.microsoft.com/office/2006/metadata/contentType" xmlns:ma="http://schemas.microsoft.com/office/2006/metadata/properties/metaAttributes" ct:_="" ma:_="" ma:contentTypeName="Documento" ma:contentTypeID="0x0101009CF7F73210E25E4C80F38D3AF8DBA1CE" ma:contentTypeVersion="5" ma:contentTypeDescription="Crie um novo documento." ma:contentTypeScope="" ma:versionID="c9a3508504e9f3864337e8f8f13b8320">
   <xsd:schema xmlns:xsd="http://www.w3.org/2001/XMLSchema" xmlns:xs="http://www.w3.org/2001/XMLSchema" xmlns:p="http://schemas.microsoft.com/office/2006/metadata/properties" xmlns:ns3="6f48301a-8fe6-4e77-9b8b-4bfb63225020" xmlns:ns4="cb39491a-d688-40e9-85ac-9e954f52aece" targetNamespace="http://schemas.microsoft.com/office/2006/metadata/properties" ma:root="true" ma:fieldsID="56da7c2b13f7bdfb4bf20311946818ab" ns3:_="" ns4:_="">
     <xsd:import namespace="6f48301a-8fe6-4e77-9b8b-4bfb63225020"/>
@@ -5986,32 +6555,22 @@
 </ct:contentTypeSchema>
 </file>
 
-<file path=customXml/itemProps1.xml><?xml version="1.0" encoding="utf-8"?>
-<ds:datastoreItem xmlns:ds="http://schemas.openxmlformats.org/officeDocument/2006/customXml" ds:itemID="{28E4F8D1-CC1C-4314-A655-A69284205ED8}">
-  <ds:schemaRefs>
-    <ds:schemaRef ds:uri="cb39491a-d688-40e9-85ac-9e954f52aece"/>
-    <ds:schemaRef ds:uri="http://purl.org/dc/terms/"/>
-    <ds:schemaRef ds:uri="http://schemas.openxmlformats.org/package/2006/metadata/core-properties"/>
-    <ds:schemaRef ds:uri="http://schemas.microsoft.com/office/2006/documentManagement/types"/>
-    <ds:schemaRef ds:uri="http://schemas.microsoft.com/office/infopath/2007/PartnerControls"/>
-    <ds:schemaRef ds:uri="http://purl.org/dc/elements/1.1/"/>
-    <ds:schemaRef ds:uri="http://schemas.microsoft.com/office/2006/metadata/properties"/>
-    <ds:schemaRef ds:uri="6f48301a-8fe6-4e77-9b8b-4bfb63225020"/>
-    <ds:schemaRef ds:uri="http://www.w3.org/XML/1998/namespace"/>
-    <ds:schemaRef ds:uri="http://purl.org/dc/dcmitype/"/>
-  </ds:schemaRefs>
-</ds:datastoreItem>
+<file path=customXml/item2.xml><?xml version="1.0" encoding="utf-8"?>
+<?mso-contentType ?>
+<FormTemplates xmlns="http://schemas.microsoft.com/sharepoint/v3/contenttype/forms">
+  <Display>DocumentLibraryForm</Display>
+  <Edit>DocumentLibraryForm</Edit>
+  <New>DocumentLibraryForm</New>
+</FormTemplates>
 </file>
 
-<file path=customXml/itemProps2.xml><?xml version="1.0" encoding="utf-8"?>
-<ds:datastoreItem xmlns:ds="http://schemas.openxmlformats.org/officeDocument/2006/customXml" ds:itemID="{B7934EB7-9B6C-41BA-B4D0-80B48B796F98}">
-  <ds:schemaRefs>
-    <ds:schemaRef ds:uri="http://schemas.microsoft.com/sharepoint/v3/contenttype/forms"/>
-  </ds:schemaRefs>
-</ds:datastoreItem>
+<file path=customXml/item3.xml><?xml version="1.0" encoding="utf-8"?>
+<p:properties xmlns:p="http://schemas.microsoft.com/office/2006/metadata/properties" xmlns:xsi="http://www.w3.org/2001/XMLSchema-instance" xmlns:pc="http://schemas.microsoft.com/office/infopath/2007/PartnerControls">
+  <documentManagement/>
+</p:properties>
 </file>
 
-<file path=customXml/itemProps3.xml><?xml version="1.0" encoding="utf-8"?>
+<file path=customXml/itemProps1.xml><?xml version="1.0" encoding="utf-8"?>
 <ds:datastoreItem xmlns:ds="http://schemas.openxmlformats.org/officeDocument/2006/customXml" ds:itemID="{5D953589-B619-4DDF-BA20-4E50D9439F72}">
   <ds:schemaRefs>
     <ds:schemaRef ds:uri="http://schemas.microsoft.com/office/2006/metadata/contentType"/>
@@ -6028,4 +6587,29 @@
     <ds:schemaRef ds:uri="http://schemas.microsoft.com/internal/obd"/>
   </ds:schemaRefs>
 </ds:datastoreItem>
+</file>
+
+<file path=customXml/itemProps2.xml><?xml version="1.0" encoding="utf-8"?>
+<ds:datastoreItem xmlns:ds="http://schemas.openxmlformats.org/officeDocument/2006/customXml" ds:itemID="{B7934EB7-9B6C-41BA-B4D0-80B48B796F98}">
+  <ds:schemaRefs>
+    <ds:schemaRef ds:uri="http://schemas.microsoft.com/sharepoint/v3/contenttype/forms"/>
+  </ds:schemaRefs>
+</ds:datastoreItem>
+</file>
+
+<file path=customXml/itemProps3.xml><?xml version="1.0" encoding="utf-8"?>
+<ds:datastoreItem xmlns:ds="http://schemas.openxmlformats.org/officeDocument/2006/customXml" ds:itemID="{28E4F8D1-CC1C-4314-A655-A69284205ED8}">
+  <ds:schemaRefs>
+    <ds:schemaRef ds:uri="cb39491a-d688-40e9-85ac-9e954f52aece"/>
+    <ds:schemaRef ds:uri="http://purl.org/dc/terms/"/>
+    <ds:schemaRef ds:uri="http://schemas.openxmlformats.org/package/2006/metadata/core-properties"/>
+    <ds:schemaRef ds:uri="http://schemas.microsoft.com/office/2006/documentManagement/types"/>
+    <ds:schemaRef ds:uri="http://schemas.microsoft.com/office/infopath/2007/PartnerControls"/>
+    <ds:schemaRef ds:uri="http://purl.org/dc/elements/1.1/"/>
+    <ds:schemaRef ds:uri="http://schemas.microsoft.com/office/2006/metadata/properties"/>
+    <ds:schemaRef ds:uri="6f48301a-8fe6-4e77-9b8b-4bfb63225020"/>
+    <ds:schemaRef ds:uri="http://www.w3.org/XML/1998/namespace"/>
+    <ds:schemaRef ds:uri="http://purl.org/dc/dcmitype/"/>
+  </ds:schemaRefs>
+</ds:datastoreItem>
 </file>
--- a/15. Arquitetura de Negócio para cada Cenário.pptx
+++ b/15. Arquitetura de Negócio para cada Cenário.pptx
@@ -213,7 +213,7 @@
           <a:p>
             <a:fld id="{F4318199-87C9-43C5-859C-64A36D6C6B03}" type="datetimeFigureOut">
               <a:rPr lang="pt-BR" smtClean="0"/>
-              <a:t>07/04/2021</a:t>
+              <a:t>23/04/2021</a:t>
             </a:fld>
             <a:endParaRPr lang="pt-BR"/>
           </a:p>
@@ -627,7 +627,7 @@
           <a:p>
             <a:fld id="{01CBEC38-F852-4482-B8EA-F53CE02A78CA}" type="datetimeFigureOut">
               <a:rPr lang="pt-BR" smtClean="0"/>
-              <a:t>07/04/2021</a:t>
+              <a:t>23/04/2021</a:t>
             </a:fld>
             <a:endParaRPr lang="pt-BR"/>
           </a:p>
@@ -825,7 +825,7 @@
           <a:p>
             <a:fld id="{01CBEC38-F852-4482-B8EA-F53CE02A78CA}" type="datetimeFigureOut">
               <a:rPr lang="pt-BR" smtClean="0"/>
-              <a:t>07/04/2021</a:t>
+              <a:t>23/04/2021</a:t>
             </a:fld>
             <a:endParaRPr lang="pt-BR"/>
           </a:p>
@@ -1033,7 +1033,7 @@
           <a:p>
             <a:fld id="{01CBEC38-F852-4482-B8EA-F53CE02A78CA}" type="datetimeFigureOut">
               <a:rPr lang="pt-BR" smtClean="0"/>
-              <a:t>07/04/2021</a:t>
+              <a:t>23/04/2021</a:t>
             </a:fld>
             <a:endParaRPr lang="pt-BR"/>
           </a:p>
@@ -1231,7 +1231,7 @@
           <a:p>
             <a:fld id="{01CBEC38-F852-4482-B8EA-F53CE02A78CA}" type="datetimeFigureOut">
               <a:rPr lang="pt-BR" smtClean="0"/>
-              <a:t>07/04/2021</a:t>
+              <a:t>23/04/2021</a:t>
             </a:fld>
             <a:endParaRPr lang="pt-BR"/>
           </a:p>
@@ -1506,7 +1506,7 @@
           <a:p>
             <a:fld id="{01CBEC38-F852-4482-B8EA-F53CE02A78CA}" type="datetimeFigureOut">
               <a:rPr lang="pt-BR" smtClean="0"/>
-              <a:t>07/04/2021</a:t>
+              <a:t>23/04/2021</a:t>
             </a:fld>
             <a:endParaRPr lang="pt-BR"/>
           </a:p>
@@ -1771,7 +1771,7 @@
           <a:p>
             <a:fld id="{01CBEC38-F852-4482-B8EA-F53CE02A78CA}" type="datetimeFigureOut">
               <a:rPr lang="pt-BR" smtClean="0"/>
-              <a:t>07/04/2021</a:t>
+              <a:t>23/04/2021</a:t>
             </a:fld>
             <a:endParaRPr lang="pt-BR"/>
           </a:p>
@@ -2183,7 +2183,7 @@
           <a:p>
             <a:fld id="{01CBEC38-F852-4482-B8EA-F53CE02A78CA}" type="datetimeFigureOut">
               <a:rPr lang="pt-BR" smtClean="0"/>
-              <a:t>07/04/2021</a:t>
+              <a:t>23/04/2021</a:t>
             </a:fld>
             <a:endParaRPr lang="pt-BR"/>
           </a:p>
@@ -2324,7 +2324,7 @@
           <a:p>
             <a:fld id="{01CBEC38-F852-4482-B8EA-F53CE02A78CA}" type="datetimeFigureOut">
               <a:rPr lang="pt-BR" smtClean="0"/>
-              <a:t>07/04/2021</a:t>
+              <a:t>23/04/2021</a:t>
             </a:fld>
             <a:endParaRPr lang="pt-BR"/>
           </a:p>
@@ -2437,7 +2437,7 @@
           <a:p>
             <a:fld id="{01CBEC38-F852-4482-B8EA-F53CE02A78CA}" type="datetimeFigureOut">
               <a:rPr lang="pt-BR" smtClean="0"/>
-              <a:t>07/04/2021</a:t>
+              <a:t>23/04/2021</a:t>
             </a:fld>
             <a:endParaRPr lang="pt-BR"/>
           </a:p>
@@ -2748,7 +2748,7 @@
           <a:p>
             <a:fld id="{01CBEC38-F852-4482-B8EA-F53CE02A78CA}" type="datetimeFigureOut">
               <a:rPr lang="pt-BR" smtClean="0"/>
-              <a:t>07/04/2021</a:t>
+              <a:t>23/04/2021</a:t>
             </a:fld>
             <a:endParaRPr lang="pt-BR"/>
           </a:p>
@@ -3036,7 +3036,7 @@
           <a:p>
             <a:fld id="{01CBEC38-F852-4482-B8EA-F53CE02A78CA}" type="datetimeFigureOut">
               <a:rPr lang="pt-BR" smtClean="0"/>
-              <a:t>07/04/2021</a:t>
+              <a:t>23/04/2021</a:t>
             </a:fld>
             <a:endParaRPr lang="pt-BR"/>
           </a:p>
@@ -3277,7 +3277,7 @@
           <a:p>
             <a:fld id="{01CBEC38-F852-4482-B8EA-F53CE02A78CA}" type="datetimeFigureOut">
               <a:rPr lang="pt-BR" smtClean="0"/>
-              <a:t>07/04/2021</a:t>
+              <a:t>23/04/2021</a:t>
             </a:fld>
             <a:endParaRPr lang="pt-BR"/>
           </a:p>
@@ -3966,7 +3966,7 @@
           <a:p>
             <a:r>
               <a:rPr lang="pt-BR" dirty="0"/>
-              <a:t>2.Cancelamento do Pedido</a:t>
+              <a:t>2.Cancelar Pedido</a:t>
             </a:r>
           </a:p>
           <a:p>
@@ -4788,7 +4788,7 @@
             <a:pPr algn="l"/>
             <a:r>
               <a:rPr lang="pt-BR" sz="3600" b="1" dirty="0"/>
-              <a:t>Cenário: Cancelamento do Pedido.</a:t>
+              <a:t>Cenário: Cancelar Pedido.</a:t>
             </a:r>
           </a:p>
         </p:txBody>
@@ -5665,7 +5665,7 @@
             </a:r>
             <a:r>
               <a:rPr lang="pt-BR" sz="1800" b="1" dirty="0"/>
-              <a:t>Cancelamento do Pedido.</a:t>
+              <a:t>Cancelar do Pedido.</a:t>
             </a:r>
             <a:endParaRPr lang="pt-BR" b="1" dirty="0"/>
           </a:p>
@@ -6385,6 +6385,21 @@
 </file>
 
 <file path=customXml/item1.xml><?xml version="1.0" encoding="utf-8"?>
+<p:properties xmlns:p="http://schemas.microsoft.com/office/2006/metadata/properties" xmlns:xsi="http://www.w3.org/2001/XMLSchema-instance" xmlns:pc="http://schemas.microsoft.com/office/infopath/2007/PartnerControls">
+  <documentManagement/>
+</p:properties>
+</file>
+
+<file path=customXml/item2.xml><?xml version="1.0" encoding="utf-8"?>
+<?mso-contentType ?>
+<FormTemplates xmlns="http://schemas.microsoft.com/sharepoint/v3/contenttype/forms">
+  <Display>DocumentLibraryForm</Display>
+  <Edit>DocumentLibraryForm</Edit>
+  <New>DocumentLibraryForm</New>
+</FormTemplates>
+</file>
+
+<file path=customXml/item3.xml><?xml version="1.0" encoding="utf-8"?>
 <ct:contentTypeSchema xmlns:ct="http://schemas.microsoft.com/office/2006/metadata/contentType" xmlns:ma="http://schemas.microsoft.com/office/2006/metadata/properties/metaAttributes" ct:_="" ma:_="" ma:contentTypeName="Documento" ma:contentTypeID="0x0101009CF7F73210E25E4C80F38D3AF8DBA1CE" ma:contentTypeVersion="5" ma:contentTypeDescription="Crie um novo documento." ma:contentTypeScope="" ma:versionID="c9a3508504e9f3864337e8f8f13b8320">
   <xsd:schema xmlns:xsd="http://www.w3.org/2001/XMLSchema" xmlns:xs="http://www.w3.org/2001/XMLSchema" xmlns:p="http://schemas.microsoft.com/office/2006/metadata/properties" xmlns:ns3="6f48301a-8fe6-4e77-9b8b-4bfb63225020" xmlns:ns4="cb39491a-d688-40e9-85ac-9e954f52aece" targetNamespace="http://schemas.microsoft.com/office/2006/metadata/properties" ma:root="true" ma:fieldsID="56da7c2b13f7bdfb4bf20311946818ab" ns3:_="" ns4:_="">
     <xsd:import namespace="6f48301a-8fe6-4e77-9b8b-4bfb63225020"/>
@@ -6555,22 +6570,32 @@
 </ct:contentTypeSchema>
 </file>
 
-<file path=customXml/item2.xml><?xml version="1.0" encoding="utf-8"?>
-<?mso-contentType ?>
-<FormTemplates xmlns="http://schemas.microsoft.com/sharepoint/v3/contenttype/forms">
-  <Display>DocumentLibraryForm</Display>
-  <Edit>DocumentLibraryForm</Edit>
-  <New>DocumentLibraryForm</New>
-</FormTemplates>
+<file path=customXml/itemProps1.xml><?xml version="1.0" encoding="utf-8"?>
+<ds:datastoreItem xmlns:ds="http://schemas.openxmlformats.org/officeDocument/2006/customXml" ds:itemID="{28E4F8D1-CC1C-4314-A655-A69284205ED8}">
+  <ds:schemaRefs>
+    <ds:schemaRef ds:uri="cb39491a-d688-40e9-85ac-9e954f52aece"/>
+    <ds:schemaRef ds:uri="http://purl.org/dc/terms/"/>
+    <ds:schemaRef ds:uri="http://schemas.openxmlformats.org/package/2006/metadata/core-properties"/>
+    <ds:schemaRef ds:uri="http://schemas.microsoft.com/office/2006/documentManagement/types"/>
+    <ds:schemaRef ds:uri="http://schemas.microsoft.com/office/infopath/2007/PartnerControls"/>
+    <ds:schemaRef ds:uri="http://purl.org/dc/elements/1.1/"/>
+    <ds:schemaRef ds:uri="http://schemas.microsoft.com/office/2006/metadata/properties"/>
+    <ds:schemaRef ds:uri="6f48301a-8fe6-4e77-9b8b-4bfb63225020"/>
+    <ds:schemaRef ds:uri="http://www.w3.org/XML/1998/namespace"/>
+    <ds:schemaRef ds:uri="http://purl.org/dc/dcmitype/"/>
+  </ds:schemaRefs>
+</ds:datastoreItem>
 </file>
 
-<file path=customXml/item3.xml><?xml version="1.0" encoding="utf-8"?>
-<p:properties xmlns:p="http://schemas.microsoft.com/office/2006/metadata/properties" xmlns:xsi="http://www.w3.org/2001/XMLSchema-instance" xmlns:pc="http://schemas.microsoft.com/office/infopath/2007/PartnerControls">
-  <documentManagement/>
-</p:properties>
+<file path=customXml/itemProps2.xml><?xml version="1.0" encoding="utf-8"?>
+<ds:datastoreItem xmlns:ds="http://schemas.openxmlformats.org/officeDocument/2006/customXml" ds:itemID="{B7934EB7-9B6C-41BA-B4D0-80B48B796F98}">
+  <ds:schemaRefs>
+    <ds:schemaRef ds:uri="http://schemas.microsoft.com/sharepoint/v3/contenttype/forms"/>
+  </ds:schemaRefs>
+</ds:datastoreItem>
 </file>
 
-<file path=customXml/itemProps1.xml><?xml version="1.0" encoding="utf-8"?>
+<file path=customXml/itemProps3.xml><?xml version="1.0" encoding="utf-8"?>
 <ds:datastoreItem xmlns:ds="http://schemas.openxmlformats.org/officeDocument/2006/customXml" ds:itemID="{5D953589-B619-4DDF-BA20-4E50D9439F72}">
   <ds:schemaRefs>
     <ds:schemaRef ds:uri="http://schemas.microsoft.com/office/2006/metadata/contentType"/>
@@ -6587,29 +6612,4 @@
     <ds:schemaRef ds:uri="http://schemas.microsoft.com/internal/obd"/>
   </ds:schemaRefs>
 </ds:datastoreItem>
-</file>
-
-<file path=customXml/itemProps2.xml><?xml version="1.0" encoding="utf-8"?>
-<ds:datastoreItem xmlns:ds="http://schemas.openxmlformats.org/officeDocument/2006/customXml" ds:itemID="{B7934EB7-9B6C-41BA-B4D0-80B48B796F98}">
-  <ds:schemaRefs>
-    <ds:schemaRef ds:uri="http://schemas.microsoft.com/sharepoint/v3/contenttype/forms"/>
-  </ds:schemaRefs>
-</ds:datastoreItem>
-</file>
-
-<file path=customXml/itemProps3.xml><?xml version="1.0" encoding="utf-8"?>
-<ds:datastoreItem xmlns:ds="http://schemas.openxmlformats.org/officeDocument/2006/customXml" ds:itemID="{28E4F8D1-CC1C-4314-A655-A69284205ED8}">
-  <ds:schemaRefs>
-    <ds:schemaRef ds:uri="cb39491a-d688-40e9-85ac-9e954f52aece"/>
-    <ds:schemaRef ds:uri="http://purl.org/dc/terms/"/>
-    <ds:schemaRef ds:uri="http://schemas.openxmlformats.org/package/2006/metadata/core-properties"/>
-    <ds:schemaRef ds:uri="http://schemas.microsoft.com/office/2006/documentManagement/types"/>
-    <ds:schemaRef ds:uri="http://schemas.microsoft.com/office/infopath/2007/PartnerControls"/>
-    <ds:schemaRef ds:uri="http://purl.org/dc/elements/1.1/"/>
-    <ds:schemaRef ds:uri="http://schemas.microsoft.com/office/2006/metadata/properties"/>
-    <ds:schemaRef ds:uri="6f48301a-8fe6-4e77-9b8b-4bfb63225020"/>
-    <ds:schemaRef ds:uri="http://www.w3.org/XML/1998/namespace"/>
-    <ds:schemaRef ds:uri="http://purl.org/dc/dcmitype/"/>
-  </ds:schemaRefs>
-</ds:datastoreItem>
 </file>
--- a/15. Arquitetura de Negócio para cada Cenário.pptx
+++ b/15. Arquitetura de Negócio para cada Cenário.pptx
@@ -213,7 +213,7 @@
           <a:p>
             <a:fld id="{F4318199-87C9-43C5-859C-64A36D6C6B03}" type="datetimeFigureOut">
               <a:rPr lang="pt-BR" smtClean="0"/>
-              <a:t>23/04/2021</a:t>
+              <a:t>27/05/2021</a:t>
             </a:fld>
             <a:endParaRPr lang="pt-BR"/>
           </a:p>
@@ -627,7 +627,7 @@
           <a:p>
             <a:fld id="{01CBEC38-F852-4482-B8EA-F53CE02A78CA}" type="datetimeFigureOut">
               <a:rPr lang="pt-BR" smtClean="0"/>
-              <a:t>23/04/2021</a:t>
+              <a:t>27/05/2021</a:t>
             </a:fld>
             <a:endParaRPr lang="pt-BR"/>
           </a:p>
@@ -825,7 +825,7 @@
           <a:p>
             <a:fld id="{01CBEC38-F852-4482-B8EA-F53CE02A78CA}" type="datetimeFigureOut">
               <a:rPr lang="pt-BR" smtClean="0"/>
-              <a:t>23/04/2021</a:t>
+              <a:t>27/05/2021</a:t>
             </a:fld>
             <a:endParaRPr lang="pt-BR"/>
           </a:p>
@@ -1033,7 +1033,7 @@
           <a:p>
             <a:fld id="{01CBEC38-F852-4482-B8EA-F53CE02A78CA}" type="datetimeFigureOut">
               <a:rPr lang="pt-BR" smtClean="0"/>
-              <a:t>23/04/2021</a:t>
+              <a:t>27/05/2021</a:t>
             </a:fld>
             <a:endParaRPr lang="pt-BR"/>
           </a:p>
@@ -1231,7 +1231,7 @@
           <a:p>
             <a:fld id="{01CBEC38-F852-4482-B8EA-F53CE02A78CA}" type="datetimeFigureOut">
               <a:rPr lang="pt-BR" smtClean="0"/>
-              <a:t>23/04/2021</a:t>
+              <a:t>27/05/2021</a:t>
             </a:fld>
             <a:endParaRPr lang="pt-BR"/>
           </a:p>
@@ -1506,7 +1506,7 @@
           <a:p>
             <a:fld id="{01CBEC38-F852-4482-B8EA-F53CE02A78CA}" type="datetimeFigureOut">
               <a:rPr lang="pt-BR" smtClean="0"/>
-              <a:t>23/04/2021</a:t>
+              <a:t>27/05/2021</a:t>
             </a:fld>
             <a:endParaRPr lang="pt-BR"/>
           </a:p>
@@ -1771,7 +1771,7 @@
           <a:p>
             <a:fld id="{01CBEC38-F852-4482-B8EA-F53CE02A78CA}" type="datetimeFigureOut">
               <a:rPr lang="pt-BR" smtClean="0"/>
-              <a:t>23/04/2021</a:t>
+              <a:t>27/05/2021</a:t>
             </a:fld>
             <a:endParaRPr lang="pt-BR"/>
           </a:p>
@@ -2183,7 +2183,7 @@
           <a:p>
             <a:fld id="{01CBEC38-F852-4482-B8EA-F53CE02A78CA}" type="datetimeFigureOut">
               <a:rPr lang="pt-BR" smtClean="0"/>
-              <a:t>23/04/2021</a:t>
+              <a:t>27/05/2021</a:t>
             </a:fld>
             <a:endParaRPr lang="pt-BR"/>
           </a:p>
@@ -2324,7 +2324,7 @@
           <a:p>
             <a:fld id="{01CBEC38-F852-4482-B8EA-F53CE02A78CA}" type="datetimeFigureOut">
               <a:rPr lang="pt-BR" smtClean="0"/>
-              <a:t>23/04/2021</a:t>
+              <a:t>27/05/2021</a:t>
             </a:fld>
             <a:endParaRPr lang="pt-BR"/>
           </a:p>
@@ -2437,7 +2437,7 @@
           <a:p>
             <a:fld id="{01CBEC38-F852-4482-B8EA-F53CE02A78CA}" type="datetimeFigureOut">
               <a:rPr lang="pt-BR" smtClean="0"/>
-              <a:t>23/04/2021</a:t>
+              <a:t>27/05/2021</a:t>
             </a:fld>
             <a:endParaRPr lang="pt-BR"/>
           </a:p>
@@ -2748,7 +2748,7 @@
           <a:p>
             <a:fld id="{01CBEC38-F852-4482-B8EA-F53CE02A78CA}" type="datetimeFigureOut">
               <a:rPr lang="pt-BR" smtClean="0"/>
-              <a:t>23/04/2021</a:t>
+              <a:t>27/05/2021</a:t>
             </a:fld>
             <a:endParaRPr lang="pt-BR"/>
           </a:p>
@@ -3036,7 +3036,7 @@
           <a:p>
             <a:fld id="{01CBEC38-F852-4482-B8EA-F53CE02A78CA}" type="datetimeFigureOut">
               <a:rPr lang="pt-BR" smtClean="0"/>
-              <a:t>23/04/2021</a:t>
+              <a:t>27/05/2021</a:t>
             </a:fld>
             <a:endParaRPr lang="pt-BR"/>
           </a:p>
@@ -3277,7 +3277,7 @@
           <a:p>
             <a:fld id="{01CBEC38-F852-4482-B8EA-F53CE02A78CA}" type="datetimeFigureOut">
               <a:rPr lang="pt-BR" smtClean="0"/>
-              <a:t>23/04/2021</a:t>
+              <a:t>27/05/2021</a:t>
             </a:fld>
             <a:endParaRPr lang="pt-BR"/>
           </a:p>
@@ -4692,7 +4692,7 @@
             <a:pPr algn="ctr"/>
             <a:r>
               <a:rPr lang="pt-BR" b="1" dirty="0"/>
-              <a:t>Tratar o Cancelamento do Pedido</a:t>
+              <a:t>Tratar o cancelamento do pedido</a:t>
             </a:r>
           </a:p>
         </p:txBody>
@@ -5116,7 +5116,15 @@
             <a:pPr algn="ctr"/>
             <a:r>
               <a:rPr lang="pt-BR" b="1" dirty="0"/>
-              <a:t>Tratar o Recebimento do cliente</a:t>
+              <a:t>Tratar </a:t>
+            </a:r>
+            <a:r>
+              <a:rPr lang="pt-BR" b="1"/>
+              <a:t>o recebimento </a:t>
+            </a:r>
+            <a:r>
+              <a:rPr lang="pt-BR" b="1" dirty="0"/>
+              <a:t>do cliente</a:t>
             </a:r>
           </a:p>
         </p:txBody>
@@ -6385,21 +6393,6 @@
 </file>
 
 <file path=customXml/item1.xml><?xml version="1.0" encoding="utf-8"?>
-<p:properties xmlns:p="http://schemas.microsoft.com/office/2006/metadata/properties" xmlns:xsi="http://www.w3.org/2001/XMLSchema-instance" xmlns:pc="http://schemas.microsoft.com/office/infopath/2007/PartnerControls">
-  <documentManagement/>
-</p:properties>
-</file>
-
-<file path=customXml/item2.xml><?xml version="1.0" encoding="utf-8"?>
-<?mso-contentType ?>
-<FormTemplates xmlns="http://schemas.microsoft.com/sharepoint/v3/contenttype/forms">
-  <Display>DocumentLibraryForm</Display>
-  <Edit>DocumentLibraryForm</Edit>
-  <New>DocumentLibraryForm</New>
-</FormTemplates>
-</file>
-
-<file path=customXml/item3.xml><?xml version="1.0" encoding="utf-8"?>
 <ct:contentTypeSchema xmlns:ct="http://schemas.microsoft.com/office/2006/metadata/contentType" xmlns:ma="http://schemas.microsoft.com/office/2006/metadata/properties/metaAttributes" ct:_="" ma:_="" ma:contentTypeName="Documento" ma:contentTypeID="0x0101009CF7F73210E25E4C80F38D3AF8DBA1CE" ma:contentTypeVersion="5" ma:contentTypeDescription="Crie um novo documento." ma:contentTypeScope="" ma:versionID="c9a3508504e9f3864337e8f8f13b8320">
   <xsd:schema xmlns:xsd="http://www.w3.org/2001/XMLSchema" xmlns:xs="http://www.w3.org/2001/XMLSchema" xmlns:p="http://schemas.microsoft.com/office/2006/metadata/properties" xmlns:ns3="6f48301a-8fe6-4e77-9b8b-4bfb63225020" xmlns:ns4="cb39491a-d688-40e9-85ac-9e954f52aece" targetNamespace="http://schemas.microsoft.com/office/2006/metadata/properties" ma:root="true" ma:fieldsID="56da7c2b13f7bdfb4bf20311946818ab" ns3:_="" ns4:_="">
     <xsd:import namespace="6f48301a-8fe6-4e77-9b8b-4bfb63225020"/>
@@ -6570,32 +6563,22 @@
 </ct:contentTypeSchema>
 </file>
 
-<file path=customXml/itemProps1.xml><?xml version="1.0" encoding="utf-8"?>
-<ds:datastoreItem xmlns:ds="http://schemas.openxmlformats.org/officeDocument/2006/customXml" ds:itemID="{28E4F8D1-CC1C-4314-A655-A69284205ED8}">
-  <ds:schemaRefs>
-    <ds:schemaRef ds:uri="cb39491a-d688-40e9-85ac-9e954f52aece"/>
-    <ds:schemaRef ds:uri="http://purl.org/dc/terms/"/>
-    <ds:schemaRef ds:uri="http://schemas.openxmlformats.org/package/2006/metadata/core-properties"/>
-    <ds:schemaRef ds:uri="http://schemas.microsoft.com/office/2006/documentManagement/types"/>
-    <ds:schemaRef ds:uri="http://schemas.microsoft.com/office/infopath/2007/PartnerControls"/>
-    <ds:schemaRef ds:uri="http://purl.org/dc/elements/1.1/"/>
-    <ds:schemaRef ds:uri="http://schemas.microsoft.com/office/2006/metadata/properties"/>
-    <ds:schemaRef ds:uri="6f48301a-8fe6-4e77-9b8b-4bfb63225020"/>
-    <ds:schemaRef ds:uri="http://www.w3.org/XML/1998/namespace"/>
-    <ds:schemaRef ds:uri="http://purl.org/dc/dcmitype/"/>
-  </ds:schemaRefs>
-</ds:datastoreItem>
+<file path=customXml/item2.xml><?xml version="1.0" encoding="utf-8"?>
+<?mso-contentType ?>
+<FormTemplates xmlns="http://schemas.microsoft.com/sharepoint/v3/contenttype/forms">
+  <Display>DocumentLibraryForm</Display>
+  <Edit>DocumentLibraryForm</Edit>
+  <New>DocumentLibraryForm</New>
+</FormTemplates>
 </file>
 
-<file path=customXml/itemProps2.xml><?xml version="1.0" encoding="utf-8"?>
-<ds:datastoreItem xmlns:ds="http://schemas.openxmlformats.org/officeDocument/2006/customXml" ds:itemID="{B7934EB7-9B6C-41BA-B4D0-80B48B796F98}">
-  <ds:schemaRefs>
-    <ds:schemaRef ds:uri="http://schemas.microsoft.com/sharepoint/v3/contenttype/forms"/>
-  </ds:schemaRefs>
-</ds:datastoreItem>
+<file path=customXml/item3.xml><?xml version="1.0" encoding="utf-8"?>
+<p:properties xmlns:p="http://schemas.microsoft.com/office/2006/metadata/properties" xmlns:xsi="http://www.w3.org/2001/XMLSchema-instance" xmlns:pc="http://schemas.microsoft.com/office/infopath/2007/PartnerControls">
+  <documentManagement/>
+</p:properties>
 </file>
 
-<file path=customXml/itemProps3.xml><?xml version="1.0" encoding="utf-8"?>
+<file path=customXml/itemProps1.xml><?xml version="1.0" encoding="utf-8"?>
 <ds:datastoreItem xmlns:ds="http://schemas.openxmlformats.org/officeDocument/2006/customXml" ds:itemID="{5D953589-B619-4DDF-BA20-4E50D9439F72}">
   <ds:schemaRefs>
     <ds:schemaRef ds:uri="http://schemas.microsoft.com/office/2006/metadata/contentType"/>
@@ -6612,4 +6595,29 @@
     <ds:schemaRef ds:uri="http://schemas.microsoft.com/internal/obd"/>
   </ds:schemaRefs>
 </ds:datastoreItem>
+</file>
+
+<file path=customXml/itemProps2.xml><?xml version="1.0" encoding="utf-8"?>
+<ds:datastoreItem xmlns:ds="http://schemas.openxmlformats.org/officeDocument/2006/customXml" ds:itemID="{B7934EB7-9B6C-41BA-B4D0-80B48B796F98}">
+  <ds:schemaRefs>
+    <ds:schemaRef ds:uri="http://schemas.microsoft.com/sharepoint/v3/contenttype/forms"/>
+  </ds:schemaRefs>
+</ds:datastoreItem>
+</file>
+
+<file path=customXml/itemProps3.xml><?xml version="1.0" encoding="utf-8"?>
+<ds:datastoreItem xmlns:ds="http://schemas.openxmlformats.org/officeDocument/2006/customXml" ds:itemID="{28E4F8D1-CC1C-4314-A655-A69284205ED8}">
+  <ds:schemaRefs>
+    <ds:schemaRef ds:uri="cb39491a-d688-40e9-85ac-9e954f52aece"/>
+    <ds:schemaRef ds:uri="http://purl.org/dc/terms/"/>
+    <ds:schemaRef ds:uri="http://schemas.openxmlformats.org/package/2006/metadata/core-properties"/>
+    <ds:schemaRef ds:uri="http://schemas.microsoft.com/office/2006/documentManagement/types"/>
+    <ds:schemaRef ds:uri="http://schemas.microsoft.com/office/infopath/2007/PartnerControls"/>
+    <ds:schemaRef ds:uri="http://purl.org/dc/elements/1.1/"/>
+    <ds:schemaRef ds:uri="http://schemas.microsoft.com/office/2006/metadata/properties"/>
+    <ds:schemaRef ds:uri="6f48301a-8fe6-4e77-9b8b-4bfb63225020"/>
+    <ds:schemaRef ds:uri="http://www.w3.org/XML/1998/namespace"/>
+    <ds:schemaRef ds:uri="http://purl.org/dc/dcmitype/"/>
+  </ds:schemaRefs>
+</ds:datastoreItem>
 </file>
--- a/15. Arquitetura de Negócio para cada Cenário.pptx
+++ b/15. Arquitetura de Negócio para cada Cenário.pptx
@@ -213,7 +213,7 @@
           <a:p>
             <a:fld id="{F4318199-87C9-43C5-859C-64A36D6C6B03}" type="datetimeFigureOut">
               <a:rPr lang="pt-BR" smtClean="0"/>
-              <a:t>27/05/2021</a:t>
+              <a:t>03/06/2021</a:t>
             </a:fld>
             <a:endParaRPr lang="pt-BR"/>
           </a:p>
@@ -627,7 +627,7 @@
           <a:p>
             <a:fld id="{01CBEC38-F852-4482-B8EA-F53CE02A78CA}" type="datetimeFigureOut">
               <a:rPr lang="pt-BR" smtClean="0"/>
-              <a:t>27/05/2021</a:t>
+              <a:t>03/06/2021</a:t>
             </a:fld>
             <a:endParaRPr lang="pt-BR"/>
           </a:p>
@@ -825,7 +825,7 @@
           <a:p>
             <a:fld id="{01CBEC38-F852-4482-B8EA-F53CE02A78CA}" type="datetimeFigureOut">
               <a:rPr lang="pt-BR" smtClean="0"/>
-              <a:t>27/05/2021</a:t>
+              <a:t>03/06/2021</a:t>
             </a:fld>
             <a:endParaRPr lang="pt-BR"/>
           </a:p>
@@ -1033,7 +1033,7 @@
           <a:p>
             <a:fld id="{01CBEC38-F852-4482-B8EA-F53CE02A78CA}" type="datetimeFigureOut">
               <a:rPr lang="pt-BR" smtClean="0"/>
-              <a:t>27/05/2021</a:t>
+              <a:t>03/06/2021</a:t>
             </a:fld>
             <a:endParaRPr lang="pt-BR"/>
           </a:p>
@@ -1231,7 +1231,7 @@
           <a:p>
             <a:fld id="{01CBEC38-F852-4482-B8EA-F53CE02A78CA}" type="datetimeFigureOut">
               <a:rPr lang="pt-BR" smtClean="0"/>
-              <a:t>27/05/2021</a:t>
+              <a:t>03/06/2021</a:t>
             </a:fld>
             <a:endParaRPr lang="pt-BR"/>
           </a:p>
@@ -1506,7 +1506,7 @@
           <a:p>
             <a:fld id="{01CBEC38-F852-4482-B8EA-F53CE02A78CA}" type="datetimeFigureOut">
               <a:rPr lang="pt-BR" smtClean="0"/>
-              <a:t>27/05/2021</a:t>
+              <a:t>03/06/2021</a:t>
             </a:fld>
             <a:endParaRPr lang="pt-BR"/>
           </a:p>
@@ -1771,7 +1771,7 @@
           <a:p>
             <a:fld id="{01CBEC38-F852-4482-B8EA-F53CE02A78CA}" type="datetimeFigureOut">
               <a:rPr lang="pt-BR" smtClean="0"/>
-              <a:t>27/05/2021</a:t>
+              <a:t>03/06/2021</a:t>
             </a:fld>
             <a:endParaRPr lang="pt-BR"/>
           </a:p>
@@ -2183,7 +2183,7 @@
           <a:p>
             <a:fld id="{01CBEC38-F852-4482-B8EA-F53CE02A78CA}" type="datetimeFigureOut">
               <a:rPr lang="pt-BR" smtClean="0"/>
-              <a:t>27/05/2021</a:t>
+              <a:t>03/06/2021</a:t>
             </a:fld>
             <a:endParaRPr lang="pt-BR"/>
           </a:p>
@@ -2324,7 +2324,7 @@
           <a:p>
             <a:fld id="{01CBEC38-F852-4482-B8EA-F53CE02A78CA}" type="datetimeFigureOut">
               <a:rPr lang="pt-BR" smtClean="0"/>
-              <a:t>27/05/2021</a:t>
+              <a:t>03/06/2021</a:t>
             </a:fld>
             <a:endParaRPr lang="pt-BR"/>
           </a:p>
@@ -2437,7 +2437,7 @@
           <a:p>
             <a:fld id="{01CBEC38-F852-4482-B8EA-F53CE02A78CA}" type="datetimeFigureOut">
               <a:rPr lang="pt-BR" smtClean="0"/>
-              <a:t>27/05/2021</a:t>
+              <a:t>03/06/2021</a:t>
             </a:fld>
             <a:endParaRPr lang="pt-BR"/>
           </a:p>
@@ -2748,7 +2748,7 @@
           <a:p>
             <a:fld id="{01CBEC38-F852-4482-B8EA-F53CE02A78CA}" type="datetimeFigureOut">
               <a:rPr lang="pt-BR" smtClean="0"/>
-              <a:t>27/05/2021</a:t>
+              <a:t>03/06/2021</a:t>
             </a:fld>
             <a:endParaRPr lang="pt-BR"/>
           </a:p>
@@ -3036,7 +3036,7 @@
           <a:p>
             <a:fld id="{01CBEC38-F852-4482-B8EA-F53CE02A78CA}" type="datetimeFigureOut">
               <a:rPr lang="pt-BR" smtClean="0"/>
-              <a:t>27/05/2021</a:t>
+              <a:t>03/06/2021</a:t>
             </a:fld>
             <a:endParaRPr lang="pt-BR"/>
           </a:p>
@@ -3277,7 +3277,7 @@
           <a:p>
             <a:fld id="{01CBEC38-F852-4482-B8EA-F53CE02A78CA}" type="datetimeFigureOut">
               <a:rPr lang="pt-BR" smtClean="0"/>
-              <a:t>27/05/2021</a:t>
+              <a:t>03/06/2021</a:t>
             </a:fld>
             <a:endParaRPr lang="pt-BR"/>
           </a:p>
@@ -5116,15 +5116,7 @@
             <a:pPr algn="ctr"/>
             <a:r>
               <a:rPr lang="pt-BR" b="1" dirty="0"/>
-              <a:t>Tratar </a:t>
-            </a:r>
-            <a:r>
-              <a:rPr lang="pt-BR" b="1"/>
-              <a:t>o recebimento </a:t>
-            </a:r>
-            <a:r>
-              <a:rPr lang="pt-BR" b="1" dirty="0"/>
-              <a:t>do cliente</a:t>
+              <a:t>Tratar o recebimento do cliente</a:t>
             </a:r>
           </a:p>
         </p:txBody>
@@ -6393,6 +6385,21 @@
 </file>
 
 <file path=customXml/item1.xml><?xml version="1.0" encoding="utf-8"?>
+<p:properties xmlns:p="http://schemas.microsoft.com/office/2006/metadata/properties" xmlns:xsi="http://www.w3.org/2001/XMLSchema-instance" xmlns:pc="http://schemas.microsoft.com/office/infopath/2007/PartnerControls">
+  <documentManagement/>
+</p:properties>
+</file>
+
+<file path=customXml/item2.xml><?xml version="1.0" encoding="utf-8"?>
+<?mso-contentType ?>
+<FormTemplates xmlns="http://schemas.microsoft.com/sharepoint/v3/contenttype/forms">
+  <Display>DocumentLibraryForm</Display>
+  <Edit>DocumentLibraryForm</Edit>
+  <New>DocumentLibraryForm</New>
+</FormTemplates>
+</file>
+
+<file path=customXml/item3.xml><?xml version="1.0" encoding="utf-8"?>
 <ct:contentTypeSchema xmlns:ct="http://schemas.microsoft.com/office/2006/metadata/contentType" xmlns:ma="http://schemas.microsoft.com/office/2006/metadata/properties/metaAttributes" ct:_="" ma:_="" ma:contentTypeName="Documento" ma:contentTypeID="0x0101009CF7F73210E25E4C80F38D3AF8DBA1CE" ma:contentTypeVersion="5" ma:contentTypeDescription="Crie um novo documento." ma:contentTypeScope="" ma:versionID="c9a3508504e9f3864337e8f8f13b8320">
   <xsd:schema xmlns:xsd="http://www.w3.org/2001/XMLSchema" xmlns:xs="http://www.w3.org/2001/XMLSchema" xmlns:p="http://schemas.microsoft.com/office/2006/metadata/properties" xmlns:ns3="6f48301a-8fe6-4e77-9b8b-4bfb63225020" xmlns:ns4="cb39491a-d688-40e9-85ac-9e954f52aece" targetNamespace="http://schemas.microsoft.com/office/2006/metadata/properties" ma:root="true" ma:fieldsID="56da7c2b13f7bdfb4bf20311946818ab" ns3:_="" ns4:_="">
     <xsd:import namespace="6f48301a-8fe6-4e77-9b8b-4bfb63225020"/>
@@ -6563,22 +6570,32 @@
 </ct:contentTypeSchema>
 </file>
 
-<file path=customXml/item2.xml><?xml version="1.0" encoding="utf-8"?>
-<?mso-contentType ?>
-<FormTemplates xmlns="http://schemas.microsoft.com/sharepoint/v3/contenttype/forms">
-  <Display>DocumentLibraryForm</Display>
-  <Edit>DocumentLibraryForm</Edit>
-  <New>DocumentLibraryForm</New>
-</FormTemplates>
+<file path=customXml/itemProps1.xml><?xml version="1.0" encoding="utf-8"?>
+<ds:datastoreItem xmlns:ds="http://schemas.openxmlformats.org/officeDocument/2006/customXml" ds:itemID="{28E4F8D1-CC1C-4314-A655-A69284205ED8}">
+  <ds:schemaRefs>
+    <ds:schemaRef ds:uri="cb39491a-d688-40e9-85ac-9e954f52aece"/>
+    <ds:schemaRef ds:uri="http://purl.org/dc/terms/"/>
+    <ds:schemaRef ds:uri="http://schemas.openxmlformats.org/package/2006/metadata/core-properties"/>
+    <ds:schemaRef ds:uri="http://schemas.microsoft.com/office/2006/documentManagement/types"/>
+    <ds:schemaRef ds:uri="http://schemas.microsoft.com/office/infopath/2007/PartnerControls"/>
+    <ds:schemaRef ds:uri="http://purl.org/dc/elements/1.1/"/>
+    <ds:schemaRef ds:uri="http://schemas.microsoft.com/office/2006/metadata/properties"/>
+    <ds:schemaRef ds:uri="6f48301a-8fe6-4e77-9b8b-4bfb63225020"/>
+    <ds:schemaRef ds:uri="http://www.w3.org/XML/1998/namespace"/>
+    <ds:schemaRef ds:uri="http://purl.org/dc/dcmitype/"/>
+  </ds:schemaRefs>
+</ds:datastoreItem>
 </file>
 
-<file path=customXml/item3.xml><?xml version="1.0" encoding="utf-8"?>
-<p:properties xmlns:p="http://schemas.microsoft.com/office/2006/metadata/properties" xmlns:xsi="http://www.w3.org/2001/XMLSchema-instance" xmlns:pc="http://schemas.microsoft.com/office/infopath/2007/PartnerControls">
-  <documentManagement/>
-</p:properties>
+<file path=customXml/itemProps2.xml><?xml version="1.0" encoding="utf-8"?>
+<ds:datastoreItem xmlns:ds="http://schemas.openxmlformats.org/officeDocument/2006/customXml" ds:itemID="{B7934EB7-9B6C-41BA-B4D0-80B48B796F98}">
+  <ds:schemaRefs>
+    <ds:schemaRef ds:uri="http://schemas.microsoft.com/sharepoint/v3/contenttype/forms"/>
+  </ds:schemaRefs>
+</ds:datastoreItem>
 </file>
 
-<file path=customXml/itemProps1.xml><?xml version="1.0" encoding="utf-8"?>
+<file path=customXml/itemProps3.xml><?xml version="1.0" encoding="utf-8"?>
 <ds:datastoreItem xmlns:ds="http://schemas.openxmlformats.org/officeDocument/2006/customXml" ds:itemID="{5D953589-B619-4DDF-BA20-4E50D9439F72}">
   <ds:schemaRefs>
     <ds:schemaRef ds:uri="http://schemas.microsoft.com/office/2006/metadata/contentType"/>
@@ -6595,29 +6612,4 @@
     <ds:schemaRef ds:uri="http://schemas.microsoft.com/internal/obd"/>
   </ds:schemaRefs>
 </ds:datastoreItem>
-</file>
-
-<file path=customXml/itemProps2.xml><?xml version="1.0" encoding="utf-8"?>
-<ds:datastoreItem xmlns:ds="http://schemas.openxmlformats.org/officeDocument/2006/customXml" ds:itemID="{B7934EB7-9B6C-41BA-B4D0-80B48B796F98}">
-  <ds:schemaRefs>
-    <ds:schemaRef ds:uri="http://schemas.microsoft.com/sharepoint/v3/contenttype/forms"/>
-  </ds:schemaRefs>
-</ds:datastoreItem>
-</file>
-
-<file path=customXml/itemProps3.xml><?xml version="1.0" encoding="utf-8"?>
-<ds:datastoreItem xmlns:ds="http://schemas.openxmlformats.org/officeDocument/2006/customXml" ds:itemID="{28E4F8D1-CC1C-4314-A655-A69284205ED8}">
-  <ds:schemaRefs>
-    <ds:schemaRef ds:uri="cb39491a-d688-40e9-85ac-9e954f52aece"/>
-    <ds:schemaRef ds:uri="http://purl.org/dc/terms/"/>
-    <ds:schemaRef ds:uri="http://schemas.openxmlformats.org/package/2006/metadata/core-properties"/>
-    <ds:schemaRef ds:uri="http://schemas.microsoft.com/office/2006/documentManagement/types"/>
-    <ds:schemaRef ds:uri="http://schemas.microsoft.com/office/infopath/2007/PartnerControls"/>
-    <ds:schemaRef ds:uri="http://purl.org/dc/elements/1.1/"/>
-    <ds:schemaRef ds:uri="http://schemas.microsoft.com/office/2006/metadata/properties"/>
-    <ds:schemaRef ds:uri="6f48301a-8fe6-4e77-9b8b-4bfb63225020"/>
-    <ds:schemaRef ds:uri="http://www.w3.org/XML/1998/namespace"/>
-    <ds:schemaRef ds:uri="http://purl.org/dc/dcmitype/"/>
-  </ds:schemaRefs>
-</ds:datastoreItem>
 </file>